--- a/RelativNarhetGeodatasamverkan2018.pptx
+++ b/RelativNarhetGeodatasamverkan2018.pptx
@@ -6,10 +6,10 @@
     <p:sldMasterId id="2147483692" r:id="rId2"/>
   </p:sldMasterIdLst>
   <p:notesMasterIdLst>
-    <p:notesMasterId r:id="rId25"/>
+    <p:notesMasterId r:id="rId28"/>
   </p:notesMasterIdLst>
   <p:handoutMasterIdLst>
-    <p:handoutMasterId r:id="rId26"/>
+    <p:handoutMasterId r:id="rId29"/>
   </p:handoutMasterIdLst>
   <p:sldIdLst>
     <p:sldId id="256" r:id="rId3"/>
@@ -21,19 +21,22 @@
     <p:sldId id="267" r:id="rId9"/>
     <p:sldId id="270" r:id="rId10"/>
     <p:sldId id="266" r:id="rId11"/>
-    <p:sldId id="271" r:id="rId12"/>
-    <p:sldId id="274" r:id="rId13"/>
-    <p:sldId id="272" r:id="rId14"/>
-    <p:sldId id="279" r:id="rId15"/>
-    <p:sldId id="280" r:id="rId16"/>
-    <p:sldId id="275" r:id="rId17"/>
-    <p:sldId id="273" r:id="rId18"/>
-    <p:sldId id="259" r:id="rId19"/>
-    <p:sldId id="265" r:id="rId20"/>
-    <p:sldId id="260" r:id="rId21"/>
-    <p:sldId id="277" r:id="rId22"/>
-    <p:sldId id="278" r:id="rId23"/>
-    <p:sldId id="257" r:id="rId24"/>
+    <p:sldId id="281" r:id="rId12"/>
+    <p:sldId id="282" r:id="rId13"/>
+    <p:sldId id="283" r:id="rId14"/>
+    <p:sldId id="271" r:id="rId15"/>
+    <p:sldId id="274" r:id="rId16"/>
+    <p:sldId id="272" r:id="rId17"/>
+    <p:sldId id="279" r:id="rId18"/>
+    <p:sldId id="280" r:id="rId19"/>
+    <p:sldId id="275" r:id="rId20"/>
+    <p:sldId id="273" r:id="rId21"/>
+    <p:sldId id="259" r:id="rId22"/>
+    <p:sldId id="265" r:id="rId23"/>
+    <p:sldId id="260" r:id="rId24"/>
+    <p:sldId id="277" r:id="rId25"/>
+    <p:sldId id="278" r:id="rId26"/>
+    <p:sldId id="257" r:id="rId27"/>
   </p:sldIdLst>
   <p:sldSz cx="12192000" cy="6858000"/>
   <p:notesSz cx="6858000" cy="9144000"/>
@@ -1185,7 +1188,7 @@
             <a:fld id="{7C9A74CF-8644-40CC-AE7C-FB1472199BD4}" type="slidenum">
               <a:rPr lang="sv-SE" smtClean="0"/>
               <a:pPr/>
-              <a:t>10</a:t>
+              <a:t>13</a:t>
             </a:fld>
             <a:endParaRPr lang="sv-SE" dirty="0"/>
           </a:p>
@@ -1278,7 +1281,7 @@
             <a:fld id="{7C9A74CF-8644-40CC-AE7C-FB1472199BD4}" type="slidenum">
               <a:rPr lang="sv-SE" smtClean="0"/>
               <a:pPr/>
-              <a:t>12</a:t>
+              <a:t>15</a:t>
             </a:fld>
             <a:endParaRPr lang="sv-SE" dirty="0"/>
           </a:p>
@@ -7083,6 +7086,237 @@
           <a:p>
             <a:r>
               <a:rPr lang="sv-SE" dirty="0" smtClean="0"/>
+              <a:t>Problem?</a:t>
+            </a:r>
+            <a:endParaRPr lang="sv-SE" dirty="0"/>
+          </a:p>
+        </p:txBody>
+      </p:sp>
+      <p:sp>
+        <p:nvSpPr>
+          <p:cNvPr id="5" name="Platshållare för innehåll 4"/>
+          <p:cNvSpPr>
+            <a:spLocks noGrp="1"/>
+          </p:cNvSpPr>
+          <p:nvPr>
+            <p:ph idx="1"/>
+          </p:nvPr>
+        </p:nvSpPr>
+        <p:spPr/>
+        <p:txBody>
+          <a:bodyPr/>
+          <a:lstStyle/>
+          <a:p>
+            <a:r>
+              <a:rPr lang="sv-SE" dirty="0" smtClean="0"/>
+              <a:t>När man har mycket ”exakt” och transparent information så blir det lättare att peka ner på detaljer. </a:t>
+            </a:r>
+            <a:endParaRPr lang="sv-SE" dirty="0"/>
+          </a:p>
+        </p:txBody>
+      </p:sp>
+    </p:spTree>
+    <p:extLst>
+      <p:ext uri="{BB962C8B-B14F-4D97-AF65-F5344CB8AC3E}">
+        <p14:creationId xmlns:p14="http://schemas.microsoft.com/office/powerpoint/2010/main" val="1635856491"/>
+      </p:ext>
+    </p:extLst>
+  </p:cSld>
+  <p:clrMapOvr>
+    <a:masterClrMapping/>
+  </p:clrMapOvr>
+</p:sld>
+</file>
+
+<file path=ppt/slides/slide11.xml><?xml version="1.0" encoding="utf-8"?>
+<p:sld xmlns:a="http://schemas.openxmlformats.org/drawingml/2006/main" xmlns:r="http://schemas.openxmlformats.org/officeDocument/2006/relationships" xmlns:p="http://schemas.openxmlformats.org/presentationml/2006/main">
+  <p:cSld>
+    <p:spTree>
+      <p:nvGrpSpPr>
+        <p:cNvPr id="1" name=""/>
+        <p:cNvGrpSpPr/>
+        <p:nvPr/>
+      </p:nvGrpSpPr>
+      <p:grpSpPr>
+        <a:xfrm>
+          <a:off x="0" y="0"/>
+          <a:ext cx="0" cy="0"/>
+          <a:chOff x="0" y="0"/>
+          <a:chExt cx="0" cy="0"/>
+        </a:xfrm>
+      </p:grpSpPr>
+      <p:sp>
+        <p:nvSpPr>
+          <p:cNvPr id="2" name="Rubrik 1"/>
+          <p:cNvSpPr>
+            <a:spLocks noGrp="1"/>
+          </p:cNvSpPr>
+          <p:nvPr>
+            <p:ph type="title"/>
+          </p:nvPr>
+        </p:nvSpPr>
+        <p:spPr/>
+        <p:txBody>
+          <a:bodyPr/>
+          <a:lstStyle/>
+          <a:p>
+            <a:r>
+              <a:rPr lang="sv-SE" dirty="0" smtClean="0"/>
+              <a:t>Påpekande från förälder</a:t>
+            </a:r>
+            <a:endParaRPr lang="sv-SE" dirty="0"/>
+          </a:p>
+        </p:txBody>
+      </p:sp>
+      <p:pic>
+        <p:nvPicPr>
+          <p:cNvPr id="4" name="Platshållare för innehåll 3"/>
+          <p:cNvPicPr>
+            <a:picLocks noGrp="1" noChangeAspect="1"/>
+          </p:cNvPicPr>
+          <p:nvPr>
+            <p:ph idx="1"/>
+          </p:nvPr>
+        </p:nvPicPr>
+        <p:blipFill>
+          <a:blip r:embed="rId2"/>
+          <a:stretch>
+            <a:fillRect/>
+          </a:stretch>
+        </p:blipFill>
+        <p:spPr>
+          <a:xfrm>
+            <a:off x="2351584" y="1472656"/>
+            <a:ext cx="8192847" cy="4386125"/>
+          </a:xfrm>
+          <a:prstGeom prst="rect">
+            <a:avLst/>
+          </a:prstGeom>
+        </p:spPr>
+      </p:pic>
+    </p:spTree>
+    <p:extLst>
+      <p:ext uri="{BB962C8B-B14F-4D97-AF65-F5344CB8AC3E}">
+        <p14:creationId xmlns:p14="http://schemas.microsoft.com/office/powerpoint/2010/main" val="1460583111"/>
+      </p:ext>
+    </p:extLst>
+  </p:cSld>
+  <p:clrMapOvr>
+    <a:masterClrMapping/>
+  </p:clrMapOvr>
+</p:sld>
+</file>
+
+<file path=ppt/slides/slide12.xml><?xml version="1.0" encoding="utf-8"?>
+<p:sld xmlns:a="http://schemas.openxmlformats.org/drawingml/2006/main" xmlns:r="http://schemas.openxmlformats.org/officeDocument/2006/relationships" xmlns:p="http://schemas.openxmlformats.org/presentationml/2006/main">
+  <p:cSld>
+    <p:spTree>
+      <p:nvGrpSpPr>
+        <p:cNvPr id="1" name=""/>
+        <p:cNvGrpSpPr/>
+        <p:nvPr/>
+      </p:nvGrpSpPr>
+      <p:grpSpPr>
+        <a:xfrm>
+          <a:off x="0" y="0"/>
+          <a:ext cx="0" cy="0"/>
+          <a:chOff x="0" y="0"/>
+          <a:chExt cx="0" cy="0"/>
+        </a:xfrm>
+      </p:grpSpPr>
+      <p:sp>
+        <p:nvSpPr>
+          <p:cNvPr id="2" name="Rubrik 1"/>
+          <p:cNvSpPr>
+            <a:spLocks noGrp="1"/>
+          </p:cNvSpPr>
+          <p:nvPr>
+            <p:ph type="title"/>
+          </p:nvPr>
+        </p:nvSpPr>
+        <p:spPr/>
+        <p:txBody>
+          <a:bodyPr/>
+          <a:lstStyle/>
+          <a:p>
+            <a:r>
+              <a:rPr lang="sv-SE" dirty="0" smtClean="0"/>
+              <a:t>Vad svara man?</a:t>
+            </a:r>
+            <a:endParaRPr lang="sv-SE" dirty="0"/>
+          </a:p>
+        </p:txBody>
+      </p:sp>
+      <p:sp>
+        <p:nvSpPr>
+          <p:cNvPr id="3" name="Platshållare för innehåll 2"/>
+          <p:cNvSpPr>
+            <a:spLocks noGrp="1"/>
+          </p:cNvSpPr>
+          <p:nvPr>
+            <p:ph idx="1"/>
+          </p:nvPr>
+        </p:nvSpPr>
+        <p:spPr/>
+        <p:txBody>
+          <a:bodyPr/>
+          <a:lstStyle/>
+          <a:p>
+            <a:r>
+              <a:rPr lang="sv-SE" dirty="0" smtClean="0"/>
+              <a:t>Alla behandlas lika</a:t>
+            </a:r>
+            <a:endParaRPr lang="sv-SE" dirty="0"/>
+          </a:p>
+        </p:txBody>
+      </p:sp>
+    </p:spTree>
+    <p:extLst>
+      <p:ext uri="{BB962C8B-B14F-4D97-AF65-F5344CB8AC3E}">
+        <p14:creationId xmlns:p14="http://schemas.microsoft.com/office/powerpoint/2010/main" val="1016173451"/>
+      </p:ext>
+    </p:extLst>
+  </p:cSld>
+  <p:clrMapOvr>
+    <a:masterClrMapping/>
+  </p:clrMapOvr>
+</p:sld>
+</file>
+
+<file path=ppt/slides/slide13.xml><?xml version="1.0" encoding="utf-8"?>
+<p:sld xmlns:a="http://schemas.openxmlformats.org/drawingml/2006/main" xmlns:r="http://schemas.openxmlformats.org/officeDocument/2006/relationships" xmlns:p="http://schemas.openxmlformats.org/presentationml/2006/main">
+  <p:cSld>
+    <p:spTree>
+      <p:nvGrpSpPr>
+        <p:cNvPr id="1" name=""/>
+        <p:cNvGrpSpPr/>
+        <p:nvPr/>
+      </p:nvGrpSpPr>
+      <p:grpSpPr>
+        <a:xfrm>
+          <a:off x="0" y="0"/>
+          <a:ext cx="0" cy="0"/>
+          <a:chOff x="0" y="0"/>
+          <a:chExt cx="0" cy="0"/>
+        </a:xfrm>
+      </p:grpSpPr>
+      <p:sp>
+        <p:nvSpPr>
+          <p:cNvPr id="2" name="Rubrik 1"/>
+          <p:cNvSpPr>
+            <a:spLocks noGrp="1"/>
+          </p:cNvSpPr>
+          <p:nvPr>
+            <p:ph type="title"/>
+          </p:nvPr>
+        </p:nvSpPr>
+        <p:spPr/>
+        <p:txBody>
+          <a:bodyPr/>
+          <a:lstStyle/>
+          <a:p>
+            <a:r>
+              <a:rPr lang="sv-SE" dirty="0" smtClean="0"/>
               <a:t>FME-</a:t>
             </a:r>
             <a:r>
@@ -7143,7 +7377,7 @@
 </p:sld>
 </file>
 
-<file path=ppt/slides/slide11.xml><?xml version="1.0" encoding="utf-8"?>
+<file path=ppt/slides/slide14.xml><?xml version="1.0" encoding="utf-8"?>
 <p:sld xmlns:a="http://schemas.openxmlformats.org/drawingml/2006/main" xmlns:r="http://schemas.openxmlformats.org/officeDocument/2006/relationships" xmlns:p="http://schemas.openxmlformats.org/presentationml/2006/main" show="0">
   <p:cSld>
     <p:spTree>
@@ -7244,7 +7478,7 @@
 </p:sld>
 </file>
 
-<file path=ppt/slides/slide12.xml><?xml version="1.0" encoding="utf-8"?>
+<file path=ppt/slides/slide15.xml><?xml version="1.0" encoding="utf-8"?>
 <p:sld xmlns:a="http://schemas.openxmlformats.org/drawingml/2006/main" xmlns:r="http://schemas.openxmlformats.org/officeDocument/2006/relationships" xmlns:p="http://schemas.openxmlformats.org/presentationml/2006/main">
   <p:cSld>
     <p:spTree>
@@ -7350,7 +7584,7 @@
 </p:sld>
 </file>
 
-<file path=ppt/slides/slide13.xml><?xml version="1.0" encoding="utf-8"?>
+<file path=ppt/slides/slide16.xml><?xml version="1.0" encoding="utf-8"?>
 <p:sld xmlns:a="http://schemas.openxmlformats.org/drawingml/2006/main" xmlns:r="http://schemas.openxmlformats.org/officeDocument/2006/relationships" xmlns:p="http://schemas.openxmlformats.org/presentationml/2006/main">
   <p:cSld>
     <p:spTree>
@@ -7440,7 +7674,7 @@
 </p:sld>
 </file>
 
-<file path=ppt/slides/slide14.xml><?xml version="1.0" encoding="utf-8"?>
+<file path=ppt/slides/slide17.xml><?xml version="1.0" encoding="utf-8"?>
 <p:sld xmlns:a="http://schemas.openxmlformats.org/drawingml/2006/main" xmlns:r="http://schemas.openxmlformats.org/officeDocument/2006/relationships" xmlns:p="http://schemas.openxmlformats.org/presentationml/2006/main">
   <p:cSld>
     <p:spTree>
@@ -7529,7 +7763,7 @@
 </p:sld>
 </file>
 
-<file path=ppt/slides/slide15.xml><?xml version="1.0" encoding="utf-8"?>
+<file path=ppt/slides/slide18.xml><?xml version="1.0" encoding="utf-8"?>
 <p:sld xmlns:a="http://schemas.openxmlformats.org/drawingml/2006/main" xmlns:r="http://schemas.openxmlformats.org/officeDocument/2006/relationships" xmlns:p="http://schemas.openxmlformats.org/presentationml/2006/main">
   <p:cSld>
     <p:spTree>
@@ -7672,7 +7906,7 @@
 </p:sld>
 </file>
 
-<file path=ppt/slides/slide16.xml><?xml version="1.0" encoding="utf-8"?>
+<file path=ppt/slides/slide19.xml><?xml version="1.0" encoding="utf-8"?>
 <p:sld xmlns:a="http://schemas.openxmlformats.org/drawingml/2006/main" xmlns:r="http://schemas.openxmlformats.org/officeDocument/2006/relationships" xmlns:p="http://schemas.openxmlformats.org/presentationml/2006/main">
   <p:cSld>
     <p:spTree>
@@ -7805,7 +8039,89 @@
 </p:sld>
 </file>
 
-<file path=ppt/slides/slide17.xml><?xml version="1.0" encoding="utf-8"?>
+<file path=ppt/slides/slide2.xml><?xml version="1.0" encoding="utf-8"?>
+<p:sld xmlns:a="http://schemas.openxmlformats.org/drawingml/2006/main" xmlns:r="http://schemas.openxmlformats.org/officeDocument/2006/relationships" xmlns:p="http://schemas.openxmlformats.org/presentationml/2006/main">
+  <p:cSld>
+    <p:spTree>
+      <p:nvGrpSpPr>
+        <p:cNvPr id="1" name=""/>
+        <p:cNvGrpSpPr/>
+        <p:nvPr/>
+      </p:nvGrpSpPr>
+      <p:grpSpPr>
+        <a:xfrm>
+          <a:off x="0" y="0"/>
+          <a:ext cx="0" cy="0"/>
+          <a:chOff x="0" y="0"/>
+          <a:chExt cx="0" cy="0"/>
+        </a:xfrm>
+      </p:grpSpPr>
+      <p:sp>
+        <p:nvSpPr>
+          <p:cNvPr id="2" name="Rubrik 1"/>
+          <p:cNvSpPr>
+            <a:spLocks noGrp="1"/>
+          </p:cNvSpPr>
+          <p:nvPr>
+            <p:ph type="title"/>
+          </p:nvPr>
+        </p:nvSpPr>
+        <p:spPr/>
+        <p:txBody>
+          <a:bodyPr/>
+          <a:lstStyle/>
+          <a:p>
+            <a:r>
+              <a:rPr lang="sv-SE" dirty="0" smtClean="0"/>
+              <a:t>Frågor</a:t>
+            </a:r>
+            <a:endParaRPr lang="sv-SE" dirty="0"/>
+          </a:p>
+        </p:txBody>
+      </p:sp>
+      <p:sp>
+        <p:nvSpPr>
+          <p:cNvPr id="3" name="Platshållare för innehåll 2"/>
+          <p:cNvSpPr>
+            <a:spLocks noGrp="1"/>
+          </p:cNvSpPr>
+          <p:nvPr>
+            <p:ph idx="1"/>
+          </p:nvPr>
+        </p:nvSpPr>
+        <p:spPr/>
+        <p:txBody>
+          <a:bodyPr/>
+          <a:lstStyle/>
+          <a:p>
+            <a:r>
+              <a:rPr lang="sv-SE" dirty="0" smtClean="0"/>
+              <a:t>Jag utgår från att ni skall avbryta mig med frågor!</a:t>
+            </a:r>
+          </a:p>
+        </p:txBody>
+      </p:sp>
+    </p:spTree>
+    <p:extLst>
+      <p:ext uri="{BB962C8B-B14F-4D97-AF65-F5344CB8AC3E}">
+        <p14:creationId xmlns:p14="http://schemas.microsoft.com/office/powerpoint/2010/main" val="3827037758"/>
+      </p:ext>
+    </p:extLst>
+  </p:cSld>
+  <p:clrMapOvr>
+    <a:masterClrMapping/>
+  </p:clrMapOvr>
+  <p:timing>
+    <p:tnLst>
+      <p:par>
+        <p:cTn id="1" dur="indefinite" restart="never" nodeType="tmRoot"/>
+      </p:par>
+    </p:tnLst>
+  </p:timing>
+</p:sld>
+</file>
+
+<file path=ppt/slides/slide20.xml><?xml version="1.0" encoding="utf-8"?>
 <p:sld xmlns:a="http://schemas.openxmlformats.org/drawingml/2006/main" xmlns:r="http://schemas.openxmlformats.org/officeDocument/2006/relationships" xmlns:p="http://schemas.openxmlformats.org/presentationml/2006/main">
   <p:cSld>
     <p:spTree>
@@ -7929,7 +8245,7 @@
 </p:sld>
 </file>
 
-<file path=ppt/slides/slide18.xml><?xml version="1.0" encoding="utf-8"?>
+<file path=ppt/slides/slide21.xml><?xml version="1.0" encoding="utf-8"?>
 <p:sld xmlns:a="http://schemas.openxmlformats.org/drawingml/2006/main" xmlns:r="http://schemas.openxmlformats.org/officeDocument/2006/relationships" xmlns:p="http://schemas.openxmlformats.org/presentationml/2006/main">
   <p:cSld>
     <p:spTree>
@@ -8037,7 +8353,7 @@
 </p:sld>
 </file>
 
-<file path=ppt/slides/slide19.xml><?xml version="1.0" encoding="utf-8"?>
+<file path=ppt/slides/slide22.xml><?xml version="1.0" encoding="utf-8"?>
 <p:sld xmlns:a="http://schemas.openxmlformats.org/drawingml/2006/main" xmlns:r="http://schemas.openxmlformats.org/officeDocument/2006/relationships" xmlns:p="http://schemas.openxmlformats.org/presentationml/2006/main">
   <p:cSld>
     <p:spTree>
@@ -8291,89 +8607,7 @@
 </p:sld>
 </file>
 
-<file path=ppt/slides/slide2.xml><?xml version="1.0" encoding="utf-8"?>
-<p:sld xmlns:a="http://schemas.openxmlformats.org/drawingml/2006/main" xmlns:r="http://schemas.openxmlformats.org/officeDocument/2006/relationships" xmlns:p="http://schemas.openxmlformats.org/presentationml/2006/main">
-  <p:cSld>
-    <p:spTree>
-      <p:nvGrpSpPr>
-        <p:cNvPr id="1" name=""/>
-        <p:cNvGrpSpPr/>
-        <p:nvPr/>
-      </p:nvGrpSpPr>
-      <p:grpSpPr>
-        <a:xfrm>
-          <a:off x="0" y="0"/>
-          <a:ext cx="0" cy="0"/>
-          <a:chOff x="0" y="0"/>
-          <a:chExt cx="0" cy="0"/>
-        </a:xfrm>
-      </p:grpSpPr>
-      <p:sp>
-        <p:nvSpPr>
-          <p:cNvPr id="2" name="Rubrik 1"/>
-          <p:cNvSpPr>
-            <a:spLocks noGrp="1"/>
-          </p:cNvSpPr>
-          <p:nvPr>
-            <p:ph type="title"/>
-          </p:nvPr>
-        </p:nvSpPr>
-        <p:spPr/>
-        <p:txBody>
-          <a:bodyPr/>
-          <a:lstStyle/>
-          <a:p>
-            <a:r>
-              <a:rPr lang="sv-SE" dirty="0" smtClean="0"/>
-              <a:t>Frågor</a:t>
-            </a:r>
-            <a:endParaRPr lang="sv-SE" dirty="0"/>
-          </a:p>
-        </p:txBody>
-      </p:sp>
-      <p:sp>
-        <p:nvSpPr>
-          <p:cNvPr id="3" name="Platshållare för innehåll 2"/>
-          <p:cNvSpPr>
-            <a:spLocks noGrp="1"/>
-          </p:cNvSpPr>
-          <p:nvPr>
-            <p:ph idx="1"/>
-          </p:nvPr>
-        </p:nvSpPr>
-        <p:spPr/>
-        <p:txBody>
-          <a:bodyPr/>
-          <a:lstStyle/>
-          <a:p>
-            <a:r>
-              <a:rPr lang="sv-SE" dirty="0" smtClean="0"/>
-              <a:t>Jag utgår från att ni skall avbryta mig med frågor!</a:t>
-            </a:r>
-          </a:p>
-        </p:txBody>
-      </p:sp>
-    </p:spTree>
-    <p:extLst>
-      <p:ext uri="{BB962C8B-B14F-4D97-AF65-F5344CB8AC3E}">
-        <p14:creationId xmlns:p14="http://schemas.microsoft.com/office/powerpoint/2010/main" val="3827037758"/>
-      </p:ext>
-    </p:extLst>
-  </p:cSld>
-  <p:clrMapOvr>
-    <a:masterClrMapping/>
-  </p:clrMapOvr>
-  <p:timing>
-    <p:tnLst>
-      <p:par>
-        <p:cTn id="1" dur="indefinite" restart="never" nodeType="tmRoot"/>
-      </p:par>
-    </p:tnLst>
-  </p:timing>
-</p:sld>
-</file>
-
-<file path=ppt/slides/slide20.xml><?xml version="1.0" encoding="utf-8"?>
+<file path=ppt/slides/slide23.xml><?xml version="1.0" encoding="utf-8"?>
 <p:sld xmlns:a="http://schemas.openxmlformats.org/drawingml/2006/main" xmlns:r="http://schemas.openxmlformats.org/officeDocument/2006/relationships" xmlns:p="http://schemas.openxmlformats.org/presentationml/2006/main">
   <p:cSld>
     <p:spTree>
@@ -8456,7 +8690,7 @@
 </p:sld>
 </file>
 
-<file path=ppt/slides/slide21.xml><?xml version="1.0" encoding="utf-8"?>
+<file path=ppt/slides/slide24.xml><?xml version="1.0" encoding="utf-8"?>
 <p:sld xmlns:a="http://schemas.openxmlformats.org/drawingml/2006/main" xmlns:r="http://schemas.openxmlformats.org/officeDocument/2006/relationships" xmlns:p="http://schemas.openxmlformats.org/presentationml/2006/main">
   <p:cSld>
     <p:spTree>
@@ -8537,7 +8771,7 @@
 </p:sld>
 </file>
 
-<file path=ppt/slides/slide22.xml><?xml version="1.0" encoding="utf-8"?>
+<file path=ppt/slides/slide25.xml><?xml version="1.0" encoding="utf-8"?>
 <p:sld xmlns:a="http://schemas.openxmlformats.org/drawingml/2006/main" xmlns:r="http://schemas.openxmlformats.org/officeDocument/2006/relationships" xmlns:p="http://schemas.openxmlformats.org/presentationml/2006/main">
   <p:cSld>
     <p:spTree>

--- a/RelativNarhetGeodatasamverkan2018.pptx
+++ b/RelativNarhetGeodatasamverkan2018.pptx
@@ -7641,7 +7641,15 @@
           <a:p>
             <a:r>
               <a:rPr lang="sv-SE" dirty="0" smtClean="0"/>
-              <a:t>Vi håller på att få uppsatt en lokal server på Lunds kommun för att göra </a:t>
+              <a:t>Vi håller på att få </a:t>
+            </a:r>
+            <a:r>
+              <a:rPr lang="sv-SE" dirty="0" smtClean="0"/>
+              <a:t>en </a:t>
+            </a:r>
+            <a:r>
+              <a:rPr lang="sv-SE" dirty="0" smtClean="0"/>
+              <a:t>lokal server på Lunds kommun för att göra </a:t>
             </a:r>
             <a:r>
               <a:rPr lang="sv-SE" dirty="0" smtClean="0"/>
@@ -7657,6 +7665,18 @@
               <a:rPr lang="sv-SE" dirty="0" err="1" smtClean="0"/>
               <a:t>Gis</a:t>
             </a:r>
+            <a:endParaRPr lang="sv-SE" dirty="0" smtClean="0"/>
+          </a:p>
+          <a:p>
+            <a:r>
+              <a:rPr lang="sv-SE" dirty="0" smtClean="0"/>
+              <a:t>Beräkning av preliminära beslut i e-tjänster (får jag skolskjuts?)</a:t>
+            </a:r>
+          </a:p>
+          <a:p>
+            <a:pPr marL="0" indent="0">
+              <a:buNone/>
+            </a:pPr>
             <a:endParaRPr lang="sv-SE" dirty="0"/>
           </a:p>
         </p:txBody>

--- a/RelativNarhetGeodatasamverkan2018.pptx
+++ b/RelativNarhetGeodatasamverkan2018.pptx
@@ -6,37 +6,40 @@
     <p:sldMasterId id="2147483692" r:id="rId2"/>
   </p:sldMasterIdLst>
   <p:notesMasterIdLst>
-    <p:notesMasterId r:id="rId28"/>
+    <p:notesMasterId r:id="rId31"/>
   </p:notesMasterIdLst>
   <p:handoutMasterIdLst>
-    <p:handoutMasterId r:id="rId29"/>
+    <p:handoutMasterId r:id="rId32"/>
   </p:handoutMasterIdLst>
   <p:sldIdLst>
     <p:sldId id="256" r:id="rId3"/>
-    <p:sldId id="264" r:id="rId4"/>
-    <p:sldId id="263" r:id="rId5"/>
-    <p:sldId id="276" r:id="rId6"/>
+    <p:sldId id="280" r:id="rId4"/>
+    <p:sldId id="264" r:id="rId5"/>
+    <p:sldId id="263" r:id="rId6"/>
     <p:sldId id="268" r:id="rId7"/>
     <p:sldId id="269" r:id="rId8"/>
-    <p:sldId id="267" r:id="rId9"/>
-    <p:sldId id="270" r:id="rId10"/>
-    <p:sldId id="266" r:id="rId11"/>
-    <p:sldId id="281" r:id="rId12"/>
-    <p:sldId id="282" r:id="rId13"/>
-    <p:sldId id="283" r:id="rId14"/>
-    <p:sldId id="271" r:id="rId15"/>
-    <p:sldId id="274" r:id="rId16"/>
-    <p:sldId id="272" r:id="rId17"/>
-    <p:sldId id="279" r:id="rId18"/>
-    <p:sldId id="280" r:id="rId19"/>
-    <p:sldId id="275" r:id="rId20"/>
-    <p:sldId id="273" r:id="rId21"/>
-    <p:sldId id="259" r:id="rId22"/>
-    <p:sldId id="265" r:id="rId23"/>
-    <p:sldId id="260" r:id="rId24"/>
-    <p:sldId id="277" r:id="rId25"/>
-    <p:sldId id="278" r:id="rId26"/>
-    <p:sldId id="257" r:id="rId27"/>
+    <p:sldId id="270" r:id="rId9"/>
+    <p:sldId id="276" r:id="rId10"/>
+    <p:sldId id="267" r:id="rId11"/>
+    <p:sldId id="282" r:id="rId12"/>
+    <p:sldId id="283" r:id="rId13"/>
+    <p:sldId id="284" r:id="rId14"/>
+    <p:sldId id="285" r:id="rId15"/>
+    <p:sldId id="271" r:id="rId16"/>
+    <p:sldId id="274" r:id="rId17"/>
+    <p:sldId id="272" r:id="rId18"/>
+    <p:sldId id="286" r:id="rId19"/>
+    <p:sldId id="287" r:id="rId20"/>
+    <p:sldId id="279" r:id="rId21"/>
+    <p:sldId id="281" r:id="rId22"/>
+    <p:sldId id="275" r:id="rId23"/>
+    <p:sldId id="273" r:id="rId24"/>
+    <p:sldId id="259" r:id="rId25"/>
+    <p:sldId id="265" r:id="rId26"/>
+    <p:sldId id="260" r:id="rId27"/>
+    <p:sldId id="277" r:id="rId28"/>
+    <p:sldId id="278" r:id="rId29"/>
+    <p:sldId id="257" r:id="rId30"/>
   </p:sldIdLst>
   <p:sldSz cx="12192000" cy="6858000"/>
   <p:notesSz cx="6858000" cy="9144000"/>
@@ -866,21 +869,16 @@
           <a:p>
             <a:r>
               <a:rPr lang="sv-SE" dirty="0" smtClean="0"/>
-              <a:t>Totala</a:t>
+              <a:t>Egenföretagare. IOT</a:t>
             </a:r>
             <a:r>
               <a:rPr lang="sv-SE" baseline="0" dirty="0" smtClean="0"/>
-              <a:t> avståndet för alla skall bli så kort som möjligt.</a:t>
-            </a:r>
-          </a:p>
-          <a:p>
-            <a:r>
-              <a:rPr lang="sv-SE" baseline="0" dirty="0" smtClean="0"/>
-              <a:t>Den som förlorar mest på byte får stanna.</a:t>
-            </a:r>
-            <a:br>
-              <a:rPr lang="sv-SE" baseline="0" dirty="0" smtClean="0"/>
-            </a:br>
+              <a:t> hemautomation, </a:t>
+            </a:r>
+            <a:r>
+              <a:rPr lang="sv-SE" dirty="0" smtClean="0"/>
+              <a:t>Telemark </a:t>
+            </a:r>
             <a:endParaRPr lang="sv-SE" dirty="0"/>
           </a:p>
         </p:txBody>
@@ -903,7 +901,7 @@
             <a:fld id="{7C9A74CF-8644-40CC-AE7C-FB1472199BD4}" type="slidenum">
               <a:rPr lang="sv-SE" smtClean="0"/>
               <a:pPr/>
-              <a:t>7</a:t>
+              <a:t>2</a:t>
             </a:fld>
             <a:endParaRPr lang="sv-SE" dirty="0"/>
           </a:p>
@@ -912,7 +910,7 @@
     </p:spTree>
     <p:extLst>
       <p:ext uri="{BB962C8B-B14F-4D97-AF65-F5344CB8AC3E}">
-        <p14:creationId xmlns:p14="http://schemas.microsoft.com/office/powerpoint/2010/main" val="2213547337"/>
+        <p14:creationId xmlns:p14="http://schemas.microsoft.com/office/powerpoint/2010/main" val="4095974977"/>
       </p:ext>
     </p:extLst>
   </p:cSld>
@@ -992,7 +990,7 @@
             <a:fld id="{7C9A74CF-8644-40CC-AE7C-FB1472199BD4}" type="slidenum">
               <a:rPr lang="sv-SE" smtClean="0"/>
               <a:pPr/>
-              <a:t>8</a:t>
+              <a:t>7</a:t>
             </a:fld>
             <a:endParaRPr lang="sv-SE" dirty="0"/>
           </a:p>
@@ -1056,15 +1054,22 @@
           <a:lstStyle/>
           <a:p>
             <a:r>
-              <a:rPr lang="sv-SE" dirty="0" err="1" smtClean="0"/>
-              <a:t>Mentio</a:t>
-            </a:r>
-            <a:r>
-              <a:rPr lang="sv-SE" dirty="0" smtClean="0"/>
-              <a:t>! https://www.mentimeter.com/s/360c5af726ca0bf2b7ff107616e60b33/94883d9a259d</a:t>
-            </a:r>
-          </a:p>
-          <a:p>
+              <a:rPr lang="sv-SE" dirty="0" smtClean="0"/>
+              <a:t>Totala</a:t>
+            </a:r>
+            <a:r>
+              <a:rPr lang="sv-SE" baseline="0" dirty="0" smtClean="0"/>
+              <a:t> avståndet för alla skall bli så kort som möjligt.</a:t>
+            </a:r>
+          </a:p>
+          <a:p>
+            <a:r>
+              <a:rPr lang="sv-SE" baseline="0" dirty="0" smtClean="0"/>
+              <a:t>Den som förlorar mest på byte får stanna.</a:t>
+            </a:r>
+            <a:br>
+              <a:rPr lang="sv-SE" baseline="0" dirty="0" smtClean="0"/>
+            </a:br>
             <a:endParaRPr lang="sv-SE" dirty="0"/>
           </a:p>
         </p:txBody>
@@ -1096,7 +1101,7 @@
     </p:spTree>
     <p:extLst>
       <p:ext uri="{BB962C8B-B14F-4D97-AF65-F5344CB8AC3E}">
-        <p14:creationId xmlns:p14="http://schemas.microsoft.com/office/powerpoint/2010/main" val="1366450346"/>
+        <p14:creationId xmlns:p14="http://schemas.microsoft.com/office/powerpoint/2010/main" val="2213547337"/>
       </p:ext>
     </p:extLst>
   </p:cSld>
@@ -1151,21 +1156,15 @@
           <a:lstStyle/>
           <a:p>
             <a:r>
-              <a:rPr lang="sv-SE" dirty="0" smtClean="0"/>
-              <a:t>Kommer att ersättas av </a:t>
-            </a:r>
-            <a:r>
               <a:rPr lang="sv-SE" dirty="0" err="1" smtClean="0"/>
-              <a:t>commandline</a:t>
-            </a:r>
-            <a:r>
-              <a:rPr lang="sv-SE" baseline="0" dirty="0" smtClean="0"/>
-              <a:t> </a:t>
-            </a:r>
-            <a:r>
-              <a:rPr lang="sv-SE" dirty="0" err="1" smtClean="0"/>
-              <a:t>tool</a:t>
-            </a:r>
+              <a:t>Mentio</a:t>
+            </a:r>
+            <a:r>
+              <a:rPr lang="sv-SE" dirty="0" smtClean="0"/>
+              <a:t>! https://www.mentimeter.com/s/360c5af726ca0bf2b7ff107616e60b33/94883d9a259d</a:t>
+            </a:r>
+          </a:p>
+          <a:p>
             <a:endParaRPr lang="sv-SE" dirty="0"/>
           </a:p>
         </p:txBody>
@@ -1188,7 +1187,7 @@
             <a:fld id="{7C9A74CF-8644-40CC-AE7C-FB1472199BD4}" type="slidenum">
               <a:rPr lang="sv-SE" smtClean="0"/>
               <a:pPr/>
-              <a:t>13</a:t>
+              <a:t>10</a:t>
             </a:fld>
             <a:endParaRPr lang="sv-SE" dirty="0"/>
           </a:p>
@@ -1197,7 +1196,7 @@
     </p:spTree>
     <p:extLst>
       <p:ext uri="{BB962C8B-B14F-4D97-AF65-F5344CB8AC3E}">
-        <p14:creationId xmlns:p14="http://schemas.microsoft.com/office/powerpoint/2010/main" val="3874407133"/>
+        <p14:creationId xmlns:p14="http://schemas.microsoft.com/office/powerpoint/2010/main" val="2766394842"/>
       </p:ext>
     </p:extLst>
   </p:cSld>
@@ -1253,11 +1252,19 @@
           <a:p>
             <a:r>
               <a:rPr lang="sv-SE" dirty="0" smtClean="0"/>
-              <a:t>Lokal webbtjänst för att slippa betala</a:t>
+              <a:t>Kommer att ersättas av </a:t>
+            </a:r>
+            <a:r>
+              <a:rPr lang="sv-SE" dirty="0" err="1" smtClean="0"/>
+              <a:t>commandline</a:t>
             </a:r>
             <a:r>
               <a:rPr lang="sv-SE" baseline="0" dirty="0" smtClean="0"/>
-              <a:t> för varje anrop.</a:t>
+              <a:t> </a:t>
+            </a:r>
+            <a:r>
+              <a:rPr lang="sv-SE" dirty="0" err="1" smtClean="0"/>
+              <a:t>tool</a:t>
             </a:r>
             <a:endParaRPr lang="sv-SE" dirty="0"/>
           </a:p>
@@ -1281,7 +1288,100 @@
             <a:fld id="{7C9A74CF-8644-40CC-AE7C-FB1472199BD4}" type="slidenum">
               <a:rPr lang="sv-SE" smtClean="0"/>
               <a:pPr/>
-              <a:t>15</a:t>
+              <a:t>14</a:t>
+            </a:fld>
+            <a:endParaRPr lang="sv-SE" dirty="0"/>
+          </a:p>
+        </p:txBody>
+      </p:sp>
+    </p:spTree>
+    <p:extLst>
+      <p:ext uri="{BB962C8B-B14F-4D97-AF65-F5344CB8AC3E}">
+        <p14:creationId xmlns:p14="http://schemas.microsoft.com/office/powerpoint/2010/main" val="3874407133"/>
+      </p:ext>
+    </p:extLst>
+  </p:cSld>
+  <p:clrMapOvr>
+    <a:masterClrMapping/>
+  </p:clrMapOvr>
+</p:notes>
+</file>
+
+<file path=ppt/notesSlides/notesSlide7.xml><?xml version="1.0" encoding="utf-8"?>
+<p:notes xmlns:a="http://schemas.openxmlformats.org/drawingml/2006/main" xmlns:r="http://schemas.openxmlformats.org/officeDocument/2006/relationships" xmlns:p="http://schemas.openxmlformats.org/presentationml/2006/main">
+  <p:cSld>
+    <p:spTree>
+      <p:nvGrpSpPr>
+        <p:cNvPr id="1" name=""/>
+        <p:cNvGrpSpPr/>
+        <p:nvPr/>
+      </p:nvGrpSpPr>
+      <p:grpSpPr>
+        <a:xfrm>
+          <a:off x="0" y="0"/>
+          <a:ext cx="0" cy="0"/>
+          <a:chOff x="0" y="0"/>
+          <a:chExt cx="0" cy="0"/>
+        </a:xfrm>
+      </p:grpSpPr>
+      <p:sp>
+        <p:nvSpPr>
+          <p:cNvPr id="2" name="Platshållare för bildobjekt 1"/>
+          <p:cNvSpPr>
+            <a:spLocks noGrp="1" noRot="1" noChangeAspect="1"/>
+          </p:cNvSpPr>
+          <p:nvPr>
+            <p:ph type="sldImg"/>
+          </p:nvPr>
+        </p:nvSpPr>
+        <p:spPr/>
+      </p:sp>
+      <p:sp>
+        <p:nvSpPr>
+          <p:cNvPr id="3" name="Platshållare för anteckningar 2"/>
+          <p:cNvSpPr>
+            <a:spLocks noGrp="1"/>
+          </p:cNvSpPr>
+          <p:nvPr>
+            <p:ph type="body" idx="1"/>
+          </p:nvPr>
+        </p:nvSpPr>
+        <p:spPr/>
+        <p:txBody>
+          <a:bodyPr/>
+          <a:lstStyle/>
+          <a:p>
+            <a:r>
+              <a:rPr lang="sv-SE" dirty="0" smtClean="0"/>
+              <a:t>Lokal webbtjänst för att slippa betala</a:t>
+            </a:r>
+            <a:r>
+              <a:rPr lang="sv-SE" baseline="0" dirty="0" smtClean="0"/>
+              <a:t> för varje anrop.</a:t>
+            </a:r>
+            <a:endParaRPr lang="sv-SE" dirty="0"/>
+          </a:p>
+        </p:txBody>
+      </p:sp>
+      <p:sp>
+        <p:nvSpPr>
+          <p:cNvPr id="4" name="Platshållare för bildnummer 3"/>
+          <p:cNvSpPr>
+            <a:spLocks noGrp="1"/>
+          </p:cNvSpPr>
+          <p:nvPr>
+            <p:ph type="sldNum" sz="quarter" idx="10"/>
+          </p:nvPr>
+        </p:nvSpPr>
+        <p:spPr/>
+        <p:txBody>
+          <a:bodyPr/>
+          <a:lstStyle/>
+          <a:p>
+            <a:fld id="{7C9A74CF-8644-40CC-AE7C-FB1472199BD4}" type="slidenum">
+              <a:rPr lang="sv-SE" smtClean="0"/>
+              <a:pPr/>
+              <a:t>16</a:t>
             </a:fld>
             <a:endParaRPr lang="sv-SE" dirty="0"/>
           </a:p>
@@ -7086,15 +7186,19 @@
           <a:p>
             <a:r>
               <a:rPr lang="sv-SE" dirty="0" smtClean="0"/>
-              <a:t>Problem?</a:t>
-            </a:r>
-            <a:endParaRPr lang="sv-SE" dirty="0"/>
-          </a:p>
-        </p:txBody>
-      </p:sp>
-      <p:sp>
-        <p:nvSpPr>
-          <p:cNvPr id="5" name="Platshållare för innehåll 4"/>
+              <a:t>OSM vs Google </a:t>
+            </a:r>
+            <a:r>
+              <a:rPr lang="sv-SE" dirty="0" err="1" smtClean="0"/>
+              <a:t>maps</a:t>
+            </a:r>
+            <a:endParaRPr lang="sv-SE" dirty="0"/>
+          </a:p>
+        </p:txBody>
+      </p:sp>
+      <p:sp>
+        <p:nvSpPr>
+          <p:cNvPr id="3" name="Platshållare för innehåll 2"/>
           <p:cNvSpPr>
             <a:spLocks noGrp="1"/>
           </p:cNvSpPr>
@@ -7107,18 +7211,145 @@
           <a:bodyPr/>
           <a:lstStyle/>
           <a:p>
-            <a:r>
-              <a:rPr lang="sv-SE" dirty="0" smtClean="0"/>
-              <a:t>När man har mycket ”exakt” och transparent information så blir det lättare att peka ner på detaljer. </a:t>
-            </a:r>
-            <a:endParaRPr lang="sv-SE" dirty="0"/>
-          </a:p>
-        </p:txBody>
-      </p:sp>
+            <a:endParaRPr lang="sv-SE"/>
+          </a:p>
+        </p:txBody>
+      </p:sp>
+      <p:pic>
+        <p:nvPicPr>
+          <p:cNvPr id="4" name="Bildobjekt 3"/>
+          <p:cNvPicPr>
+            <a:picLocks noChangeAspect="1"/>
+          </p:cNvPicPr>
+          <p:nvPr/>
+        </p:nvPicPr>
+        <p:blipFill>
+          <a:blip r:embed="rId3"/>
+          <a:stretch>
+            <a:fillRect/>
+          </a:stretch>
+        </p:blipFill>
+        <p:spPr>
+          <a:xfrm>
+            <a:off x="6386800" y="1290925"/>
+            <a:ext cx="5229200" cy="4880587"/>
+          </a:xfrm>
+          <a:prstGeom prst="rect">
+            <a:avLst/>
+          </a:prstGeom>
+        </p:spPr>
+      </p:pic>
+      <p:pic>
+        <p:nvPicPr>
+          <p:cNvPr id="5" name="Bildobjekt 4"/>
+          <p:cNvPicPr>
+            <a:picLocks noChangeAspect="1"/>
+          </p:cNvPicPr>
+          <p:nvPr/>
+        </p:nvPicPr>
+        <p:blipFill>
+          <a:blip r:embed="rId4"/>
+          <a:stretch>
+            <a:fillRect/>
+          </a:stretch>
+        </p:blipFill>
+        <p:spPr>
+          <a:xfrm>
+            <a:off x="1586744" y="1312743"/>
+            <a:ext cx="4044973" cy="4708546"/>
+          </a:xfrm>
+          <a:prstGeom prst="rect">
+            <a:avLst/>
+          </a:prstGeom>
+        </p:spPr>
+      </p:pic>
     </p:spTree>
     <p:extLst>
       <p:ext uri="{BB962C8B-B14F-4D97-AF65-F5344CB8AC3E}">
-        <p14:creationId xmlns:p14="http://schemas.microsoft.com/office/powerpoint/2010/main" val="1635856491"/>
+        <p14:creationId xmlns:p14="http://schemas.microsoft.com/office/powerpoint/2010/main" val="3461536368"/>
+      </p:ext>
+    </p:extLst>
+  </p:cSld>
+  <p:clrMapOvr>
+    <a:masterClrMapping/>
+  </p:clrMapOvr>
+  <p:timing>
+    <p:tnLst>
+      <p:par>
+        <p:cTn id="1" dur="indefinite" restart="never" nodeType="tmRoot"/>
+      </p:par>
+    </p:tnLst>
+  </p:timing>
+</p:sld>
+</file>
+
+<file path=ppt/slides/slide11.xml><?xml version="1.0" encoding="utf-8"?>
+<p:sld xmlns:a="http://schemas.openxmlformats.org/drawingml/2006/main" xmlns:r="http://schemas.openxmlformats.org/officeDocument/2006/relationships" xmlns:p="http://schemas.openxmlformats.org/presentationml/2006/main">
+  <p:cSld>
+    <p:spTree>
+      <p:nvGrpSpPr>
+        <p:cNvPr id="1" name=""/>
+        <p:cNvGrpSpPr/>
+        <p:nvPr/>
+      </p:nvGrpSpPr>
+      <p:grpSpPr>
+        <a:xfrm>
+          <a:off x="0" y="0"/>
+          <a:ext cx="0" cy="0"/>
+          <a:chOff x="0" y="0"/>
+          <a:chExt cx="0" cy="0"/>
+        </a:xfrm>
+      </p:grpSpPr>
+      <p:sp>
+        <p:nvSpPr>
+          <p:cNvPr id="2" name="Rubrik 1"/>
+          <p:cNvSpPr>
+            <a:spLocks noGrp="1"/>
+          </p:cNvSpPr>
+          <p:nvPr>
+            <p:ph type="title"/>
+          </p:nvPr>
+        </p:nvSpPr>
+        <p:spPr/>
+        <p:txBody>
+          <a:bodyPr/>
+          <a:lstStyle/>
+          <a:p>
+            <a:r>
+              <a:rPr lang="sv-SE" dirty="0" smtClean="0"/>
+              <a:t>Problem?</a:t>
+            </a:r>
+            <a:endParaRPr lang="sv-SE" dirty="0"/>
+          </a:p>
+        </p:txBody>
+      </p:sp>
+      <p:sp>
+        <p:nvSpPr>
+          <p:cNvPr id="5" name="Platshållare för innehåll 4"/>
+          <p:cNvSpPr>
+            <a:spLocks noGrp="1"/>
+          </p:cNvSpPr>
+          <p:nvPr>
+            <p:ph idx="1"/>
+          </p:nvPr>
+        </p:nvSpPr>
+        <p:spPr/>
+        <p:txBody>
+          <a:bodyPr/>
+          <a:lstStyle/>
+          <a:p>
+            <a:r>
+              <a:rPr lang="sv-SE" dirty="0" smtClean="0"/>
+              <a:t>När man har mycket ”exakt” och transparent information så blir det lättare att peka ner på detaljer. </a:t>
+            </a:r>
+            <a:endParaRPr lang="sv-SE" dirty="0"/>
+          </a:p>
+        </p:txBody>
+      </p:sp>
+    </p:spTree>
+    <p:extLst>
+      <p:ext uri="{BB962C8B-B14F-4D97-AF65-F5344CB8AC3E}">
+        <p14:creationId xmlns:p14="http://schemas.microsoft.com/office/powerpoint/2010/main" val="3298968183"/>
       </p:ext>
     </p:extLst>
   </p:cSld>
@@ -7128,7 +7359,7 @@
 </p:sld>
 </file>
 
-<file path=ppt/slides/slide11.xml><?xml version="1.0" encoding="utf-8"?>
+<file path=ppt/slides/slide12.xml><?xml version="1.0" encoding="utf-8"?>
 <p:sld xmlns:a="http://schemas.openxmlformats.org/drawingml/2006/main" xmlns:r="http://schemas.openxmlformats.org/officeDocument/2006/relationships" xmlns:p="http://schemas.openxmlformats.org/presentationml/2006/main">
   <p:cSld>
     <p:spTree>
@@ -7197,7 +7428,7 @@
     </p:spTree>
     <p:extLst>
       <p:ext uri="{BB962C8B-B14F-4D97-AF65-F5344CB8AC3E}">
-        <p14:creationId xmlns:p14="http://schemas.microsoft.com/office/powerpoint/2010/main" val="1460583111"/>
+        <p14:creationId xmlns:p14="http://schemas.microsoft.com/office/powerpoint/2010/main" val="3467710225"/>
       </p:ext>
     </p:extLst>
   </p:cSld>
@@ -7207,7 +7438,7 @@
 </p:sld>
 </file>
 
-<file path=ppt/slides/slide12.xml><?xml version="1.0" encoding="utf-8"?>
+<file path=ppt/slides/slide13.xml><?xml version="1.0" encoding="utf-8"?>
 <p:sld xmlns:a="http://schemas.openxmlformats.org/drawingml/2006/main" xmlns:r="http://schemas.openxmlformats.org/officeDocument/2006/relationships" xmlns:p="http://schemas.openxmlformats.org/presentationml/2006/main">
   <p:cSld>
     <p:spTree>
@@ -7273,7 +7504,7 @@
     </p:spTree>
     <p:extLst>
       <p:ext uri="{BB962C8B-B14F-4D97-AF65-F5344CB8AC3E}">
-        <p14:creationId xmlns:p14="http://schemas.microsoft.com/office/powerpoint/2010/main" val="1016173451"/>
+        <p14:creationId xmlns:p14="http://schemas.microsoft.com/office/powerpoint/2010/main" val="1907320082"/>
       </p:ext>
     </p:extLst>
   </p:cSld>
@@ -7283,7 +7514,7 @@
 </p:sld>
 </file>
 
-<file path=ppt/slides/slide13.xml><?xml version="1.0" encoding="utf-8"?>
+<file path=ppt/slides/slide14.xml><?xml version="1.0" encoding="utf-8"?>
 <p:sld xmlns:a="http://schemas.openxmlformats.org/drawingml/2006/main" xmlns:r="http://schemas.openxmlformats.org/officeDocument/2006/relationships" xmlns:p="http://schemas.openxmlformats.org/presentationml/2006/main">
   <p:cSld>
     <p:spTree>
@@ -7377,8 +7608,8 @@
 </p:sld>
 </file>
 
-<file path=ppt/slides/slide14.xml><?xml version="1.0" encoding="utf-8"?>
-<p:sld xmlns:a="http://schemas.openxmlformats.org/drawingml/2006/main" xmlns:r="http://schemas.openxmlformats.org/officeDocument/2006/relationships" xmlns:p="http://schemas.openxmlformats.org/presentationml/2006/main" show="0">
+<file path=ppt/slides/slide15.xml><?xml version="1.0" encoding="utf-8"?>
+<p:sld xmlns:a="http://schemas.openxmlformats.org/drawingml/2006/main" xmlns:r="http://schemas.openxmlformats.org/officeDocument/2006/relationships" xmlns:p="http://schemas.openxmlformats.org/presentationml/2006/main">
   <p:cSld>
     <p:spTree>
       <p:nvGrpSpPr>
@@ -7460,14 +7691,6 @@
   <p:clrMapOvr>
     <a:masterClrMapping/>
   </p:clrMapOvr>
-  <mc:AlternateContent xmlns:mc="http://schemas.openxmlformats.org/markup-compatibility/2006" xmlns:p14="http://schemas.microsoft.com/office/powerpoint/2010/main">
-    <mc:Choice Requires="p14">
-      <p:transition spd="slow" p14:dur="2000"/>
-    </mc:Choice>
-    <mc:Fallback xmlns="">
-      <p:transition spd="slow"/>
-    </mc:Fallback>
-  </mc:AlternateContent>
   <p:timing>
     <p:tnLst>
       <p:par>
@@ -7478,7 +7701,7 @@
 </p:sld>
 </file>
 
-<file path=ppt/slides/slide15.xml><?xml version="1.0" encoding="utf-8"?>
+<file path=ppt/slides/slide16.xml><?xml version="1.0" encoding="utf-8"?>
 <p:sld xmlns:a="http://schemas.openxmlformats.org/drawingml/2006/main" xmlns:r="http://schemas.openxmlformats.org/officeDocument/2006/relationships" xmlns:p="http://schemas.openxmlformats.org/presentationml/2006/main">
   <p:cSld>
     <p:spTree>
@@ -7584,116 +7807,6 @@
 </p:sld>
 </file>
 
-<file path=ppt/slides/slide16.xml><?xml version="1.0" encoding="utf-8"?>
-<p:sld xmlns:a="http://schemas.openxmlformats.org/drawingml/2006/main" xmlns:r="http://schemas.openxmlformats.org/officeDocument/2006/relationships" xmlns:p="http://schemas.openxmlformats.org/presentationml/2006/main">
-  <p:cSld>
-    <p:spTree>
-      <p:nvGrpSpPr>
-        <p:cNvPr id="1" name=""/>
-        <p:cNvGrpSpPr/>
-        <p:nvPr/>
-      </p:nvGrpSpPr>
-      <p:grpSpPr>
-        <a:xfrm>
-          <a:off x="0" y="0"/>
-          <a:ext cx="0" cy="0"/>
-          <a:chOff x="0" y="0"/>
-          <a:chExt cx="0" cy="0"/>
-        </a:xfrm>
-      </p:grpSpPr>
-      <p:sp>
-        <p:nvSpPr>
-          <p:cNvPr id="2" name="Rubrik 1"/>
-          <p:cNvSpPr>
-            <a:spLocks noGrp="1"/>
-          </p:cNvSpPr>
-          <p:nvPr>
-            <p:ph type="title"/>
-          </p:nvPr>
-        </p:nvSpPr>
-        <p:spPr/>
-        <p:txBody>
-          <a:bodyPr/>
-          <a:lstStyle/>
-          <a:p>
-            <a:r>
-              <a:rPr lang="sv-SE" dirty="0" smtClean="0"/>
-              <a:t>Ny infrastruktur på G</a:t>
-            </a:r>
-            <a:endParaRPr lang="sv-SE" dirty="0"/>
-          </a:p>
-        </p:txBody>
-      </p:sp>
-      <p:sp>
-        <p:nvSpPr>
-          <p:cNvPr id="3" name="Platshållare för innehåll 2"/>
-          <p:cNvSpPr>
-            <a:spLocks noGrp="1"/>
-          </p:cNvSpPr>
-          <p:nvPr>
-            <p:ph idx="1"/>
-          </p:nvPr>
-        </p:nvSpPr>
-        <p:spPr/>
-        <p:txBody>
-          <a:bodyPr/>
-          <a:lstStyle/>
-          <a:p>
-            <a:r>
-              <a:rPr lang="sv-SE" dirty="0" smtClean="0"/>
-              <a:t>Vi håller på att få </a:t>
-            </a:r>
-            <a:r>
-              <a:rPr lang="sv-SE" dirty="0" smtClean="0"/>
-              <a:t>en </a:t>
-            </a:r>
-            <a:r>
-              <a:rPr lang="sv-SE" dirty="0" smtClean="0"/>
-              <a:t>lokal server på Lunds kommun för att göra </a:t>
-            </a:r>
-            <a:r>
-              <a:rPr lang="sv-SE" dirty="0" smtClean="0"/>
-              <a:t>beräkningar</a:t>
-            </a:r>
-          </a:p>
-          <a:p>
-            <a:r>
-              <a:rPr lang="sv-SE" dirty="0" smtClean="0"/>
-              <a:t>Funderar även på att sätta upp en FME ”portal” där man kan ladda upp Excel listor och köra sina egna beräkningar utan inblandning av Kart &amp; </a:t>
-            </a:r>
-            <a:r>
-              <a:rPr lang="sv-SE" dirty="0" err="1" smtClean="0"/>
-              <a:t>Gis</a:t>
-            </a:r>
-            <a:endParaRPr lang="sv-SE" dirty="0" smtClean="0"/>
-          </a:p>
-          <a:p>
-            <a:r>
-              <a:rPr lang="sv-SE" dirty="0" smtClean="0"/>
-              <a:t>Beräkning av preliminära beslut i e-tjänster (får jag skolskjuts?)</a:t>
-            </a:r>
-          </a:p>
-          <a:p>
-            <a:pPr marL="0" indent="0">
-              <a:buNone/>
-            </a:pPr>
-            <a:endParaRPr lang="sv-SE" dirty="0"/>
-          </a:p>
-        </p:txBody>
-      </p:sp>
-    </p:spTree>
-    <p:extLst>
-      <p:ext uri="{BB962C8B-B14F-4D97-AF65-F5344CB8AC3E}">
-        <p14:creationId xmlns:p14="http://schemas.microsoft.com/office/powerpoint/2010/main" val="1670510757"/>
-      </p:ext>
-    </p:extLst>
-  </p:cSld>
-  <p:clrMapOvr>
-    <a:masterClrMapping/>
-  </p:clrMapOvr>
-</p:sld>
-</file>
-
 <file path=ppt/slides/slide17.xml><?xml version="1.0" encoding="utf-8"?>
 <p:sld xmlns:a="http://schemas.openxmlformats.org/drawingml/2006/main" xmlns:r="http://schemas.openxmlformats.org/officeDocument/2006/relationships" xmlns:p="http://schemas.openxmlformats.org/presentationml/2006/main">
   <p:cSld>
@@ -7723,44 +7836,59 @@
         </p:nvSpPr>
         <p:spPr/>
         <p:txBody>
-          <a:bodyPr>
-            <a:normAutofit/>
-          </a:bodyPr>
-          <a:lstStyle/>
-          <a:p>
-            <a:r>
-              <a:rPr lang="sv-SE" dirty="0" smtClean="0"/>
-              <a:t>Andra användningsområde</a:t>
-            </a:r>
-            <a:endParaRPr lang="sv-SE" dirty="0"/>
-          </a:p>
-        </p:txBody>
-      </p:sp>
-      <p:sp>
-        <p:nvSpPr>
-          <p:cNvPr id="3" name="Platshållare för innehåll 2"/>
-          <p:cNvSpPr>
-            <a:spLocks noGrp="1"/>
-          </p:cNvSpPr>
-          <p:nvPr>
-            <p:ph idx="1"/>
-          </p:nvPr>
-        </p:nvSpPr>
-        <p:spPr/>
-        <p:txBody>
           <a:bodyPr/>
           <a:lstStyle/>
           <a:p>
             <a:r>
               <a:rPr lang="sv-SE" dirty="0" smtClean="0"/>
-              <a:t>Rätt till skolskjuts</a:t>
-            </a:r>
-          </a:p>
-          <a:p>
-            <a:r>
-              <a:rPr lang="sv-SE" dirty="0" smtClean="0"/>
-              <a:t>Äldres avstånd till busshållplats</a:t>
-            </a:r>
+              <a:t>Ny infrastruktur på G</a:t>
+            </a:r>
+            <a:endParaRPr lang="sv-SE" dirty="0"/>
+          </a:p>
+        </p:txBody>
+      </p:sp>
+      <p:sp>
+        <p:nvSpPr>
+          <p:cNvPr id="3" name="Platshållare för innehåll 2"/>
+          <p:cNvSpPr>
+            <a:spLocks noGrp="1"/>
+          </p:cNvSpPr>
+          <p:nvPr>
+            <p:ph idx="1"/>
+          </p:nvPr>
+        </p:nvSpPr>
+        <p:spPr/>
+        <p:txBody>
+          <a:bodyPr/>
+          <a:lstStyle/>
+          <a:p>
+            <a:r>
+              <a:rPr lang="sv-SE" dirty="0" smtClean="0"/>
+              <a:t>Vi håller på att få </a:t>
+            </a:r>
+            <a:r>
+              <a:rPr lang="sv-SE" dirty="0" smtClean="0"/>
+              <a:t>en </a:t>
+            </a:r>
+            <a:r>
+              <a:rPr lang="sv-SE" dirty="0" smtClean="0"/>
+              <a:t>lokal server på Lunds kommun för att göra </a:t>
+            </a:r>
+            <a:r>
+              <a:rPr lang="sv-SE" dirty="0" smtClean="0"/>
+              <a:t>beräkningar</a:t>
+            </a:r>
+          </a:p>
+          <a:p>
+            <a:r>
+              <a:rPr lang="sv-SE" dirty="0" smtClean="0"/>
+              <a:t>Funderar även på att sätta upp en FME ”portal” där man kan ladda upp Excel listor och köra sina egna beräkningar utan inblandning av Kart &amp; </a:t>
+            </a:r>
+            <a:r>
+              <a:rPr lang="sv-SE" dirty="0" err="1" smtClean="0"/>
+              <a:t>Gis</a:t>
+            </a:r>
+            <a:endParaRPr lang="sv-SE" dirty="0" smtClean="0"/>
           </a:p>
           <a:p>
             <a:pPr marL="0" indent="0">
@@ -7773,7 +7901,7 @@
     </p:spTree>
     <p:extLst>
       <p:ext uri="{BB962C8B-B14F-4D97-AF65-F5344CB8AC3E}">
-        <p14:creationId xmlns:p14="http://schemas.microsoft.com/office/powerpoint/2010/main" val="618387297"/>
+        <p14:creationId xmlns:p14="http://schemas.microsoft.com/office/powerpoint/2010/main" val="2131859280"/>
       </p:ext>
     </p:extLst>
   </p:cSld>
@@ -7784,6 +7912,726 @@
 </file>
 
 <file path=ppt/slides/slide18.xml><?xml version="1.0" encoding="utf-8"?>
+<p:sld xmlns:a="http://schemas.openxmlformats.org/drawingml/2006/main" xmlns:r="http://schemas.openxmlformats.org/officeDocument/2006/relationships" xmlns:p="http://schemas.openxmlformats.org/presentationml/2006/main">
+  <p:cSld>
+    <p:spTree>
+      <p:nvGrpSpPr>
+        <p:cNvPr id="1" name=""/>
+        <p:cNvGrpSpPr/>
+        <p:nvPr/>
+      </p:nvGrpSpPr>
+      <p:grpSpPr>
+        <a:xfrm>
+          <a:off x="0" y="0"/>
+          <a:ext cx="0" cy="0"/>
+          <a:chOff x="0" y="0"/>
+          <a:chExt cx="0" cy="0"/>
+        </a:xfrm>
+      </p:grpSpPr>
+      <p:sp>
+        <p:nvSpPr>
+          <p:cNvPr id="2" name="Rubrik 1"/>
+          <p:cNvSpPr>
+            <a:spLocks noGrp="1"/>
+          </p:cNvSpPr>
+          <p:nvPr>
+            <p:ph type="title"/>
+          </p:nvPr>
+        </p:nvSpPr>
+        <p:spPr/>
+        <p:txBody>
+          <a:bodyPr>
+            <a:normAutofit/>
+          </a:bodyPr>
+          <a:lstStyle/>
+          <a:p>
+            <a:r>
+              <a:rPr lang="sv-SE" dirty="0" smtClean="0"/>
+              <a:t>Andra användningsområde</a:t>
+            </a:r>
+            <a:endParaRPr lang="sv-SE" dirty="0"/>
+          </a:p>
+        </p:txBody>
+      </p:sp>
+      <p:sp>
+        <p:nvSpPr>
+          <p:cNvPr id="3" name="Platshållare för innehåll 2"/>
+          <p:cNvSpPr>
+            <a:spLocks noGrp="1"/>
+          </p:cNvSpPr>
+          <p:nvPr>
+            <p:ph idx="1"/>
+          </p:nvPr>
+        </p:nvSpPr>
+        <p:spPr/>
+        <p:txBody>
+          <a:bodyPr/>
+          <a:lstStyle/>
+          <a:p>
+            <a:r>
+              <a:rPr lang="sv-SE" dirty="0" smtClean="0"/>
+              <a:t>Rätt till skolskjuts</a:t>
+            </a:r>
+          </a:p>
+          <a:p>
+            <a:r>
+              <a:rPr lang="sv-SE" dirty="0" smtClean="0"/>
+              <a:t>Äldres avstånd till </a:t>
+            </a:r>
+            <a:r>
+              <a:rPr lang="sv-SE" dirty="0" smtClean="0"/>
+              <a:t>busshållplats</a:t>
+            </a:r>
+          </a:p>
+          <a:p>
+            <a:r>
+              <a:rPr lang="sv-SE" dirty="0"/>
+              <a:t>Beräkning av preliminära beslut i e-tjänster (får jag skolskjuts?)</a:t>
+            </a:r>
+          </a:p>
+          <a:p>
+            <a:endParaRPr lang="sv-SE" dirty="0" smtClean="0"/>
+          </a:p>
+          <a:p>
+            <a:pPr marL="0" indent="0">
+              <a:buNone/>
+            </a:pPr>
+            <a:endParaRPr lang="sv-SE" dirty="0"/>
+          </a:p>
+        </p:txBody>
+      </p:sp>
+    </p:spTree>
+    <p:extLst>
+      <p:ext uri="{BB962C8B-B14F-4D97-AF65-F5344CB8AC3E}">
+        <p14:creationId xmlns:p14="http://schemas.microsoft.com/office/powerpoint/2010/main" val="108628176"/>
+      </p:ext>
+    </p:extLst>
+  </p:cSld>
+  <p:clrMapOvr>
+    <a:masterClrMapping/>
+  </p:clrMapOvr>
+</p:sld>
+</file>
+
+<file path=ppt/slides/slide19.xml><?xml version="1.0" encoding="utf-8"?>
+<p:sld xmlns:a="http://schemas.openxmlformats.org/drawingml/2006/main" xmlns:r="http://schemas.openxmlformats.org/officeDocument/2006/relationships" xmlns:p="http://schemas.openxmlformats.org/presentationml/2006/main">
+  <p:cSld>
+    <p:spTree>
+      <p:nvGrpSpPr>
+        <p:cNvPr id="1" name=""/>
+        <p:cNvGrpSpPr/>
+        <p:nvPr/>
+      </p:nvGrpSpPr>
+      <p:grpSpPr>
+        <a:xfrm>
+          <a:off x="0" y="0"/>
+          <a:ext cx="0" cy="0"/>
+          <a:chOff x="0" y="0"/>
+          <a:chExt cx="0" cy="0"/>
+        </a:xfrm>
+      </p:grpSpPr>
+      <p:sp>
+        <p:nvSpPr>
+          <p:cNvPr id="2" name="Rubrik 1"/>
+          <p:cNvSpPr>
+            <a:spLocks noGrp="1"/>
+          </p:cNvSpPr>
+          <p:nvPr>
+            <p:ph type="title"/>
+          </p:nvPr>
+        </p:nvSpPr>
+        <p:spPr/>
+        <p:txBody>
+          <a:bodyPr/>
+          <a:lstStyle/>
+          <a:p>
+            <a:r>
+              <a:rPr lang="sv-SE" dirty="0" smtClean="0"/>
+              <a:t>Anrop</a:t>
+            </a:r>
+            <a:endParaRPr lang="sv-SE" dirty="0"/>
+          </a:p>
+        </p:txBody>
+      </p:sp>
+      <p:sp>
+        <p:nvSpPr>
+          <p:cNvPr id="3" name="Platshållare för innehåll 2"/>
+          <p:cNvSpPr>
+            <a:spLocks noGrp="1"/>
+          </p:cNvSpPr>
+          <p:nvPr>
+            <p:ph idx="1"/>
+          </p:nvPr>
+        </p:nvSpPr>
+        <p:spPr/>
+        <p:txBody>
+          <a:bodyPr/>
+          <a:lstStyle/>
+          <a:p>
+            <a:pPr marL="0" indent="0">
+              <a:buNone/>
+            </a:pPr>
+            <a:r>
+              <a:rPr lang="sv-SE" dirty="0" smtClean="0"/>
+              <a:t>http</a:t>
+            </a:r>
+            <a:r>
+              <a:rPr lang="sv-SE" dirty="0"/>
+              <a:t>://</a:t>
+            </a:r>
+            <a:r>
+              <a:rPr lang="sv-SE" dirty="0" smtClean="0">
+                <a:solidFill>
+                  <a:srgbClr val="FFA100"/>
+                </a:solidFill>
+              </a:rPr>
+              <a:t>localhost:8989</a:t>
+            </a:r>
+            <a:r>
+              <a:rPr lang="sv-SE" dirty="0" smtClean="0"/>
+              <a:t>/route?point=</a:t>
+            </a:r>
+            <a:r>
+              <a:rPr lang="sv-SE" dirty="0" smtClean="0">
+                <a:solidFill>
+                  <a:srgbClr val="00B050"/>
+                </a:solidFill>
+              </a:rPr>
+              <a:t>55.6914894313717%2C13.1779499414306</a:t>
+            </a:r>
+            <a:r>
+              <a:rPr lang="sv-SE" dirty="0" smtClean="0"/>
+              <a:t>&amp;point=</a:t>
+            </a:r>
+            <a:r>
+              <a:rPr lang="sv-SE" dirty="0" smtClean="0">
+                <a:solidFill>
+                  <a:srgbClr val="00B050"/>
+                </a:solidFill>
+              </a:rPr>
+              <a:t>55.725333068802%2C13.4631451462903</a:t>
+            </a:r>
+            <a:r>
+              <a:rPr lang="sv-SE" dirty="0" smtClean="0"/>
+              <a:t>&amp;</a:t>
+            </a:r>
+            <a:r>
+              <a:rPr lang="sv-SE" dirty="0" smtClean="0">
+                <a:solidFill>
+                  <a:srgbClr val="0070C0"/>
+                </a:solidFill>
+              </a:rPr>
+              <a:t>vehicle=foot</a:t>
+            </a:r>
+            <a:r>
+              <a:rPr lang="sv-SE" dirty="0" smtClean="0"/>
+              <a:t>&amp;locale=sv_SE&amp;points_encoded=false&amp;instructions=false&amp;</a:t>
+            </a:r>
+            <a:r>
+              <a:rPr lang="sv-SE" dirty="0" smtClean="0">
+                <a:solidFill>
+                  <a:srgbClr val="FF0000"/>
+                </a:solidFill>
+              </a:rPr>
+              <a:t>weighting=shortest</a:t>
+            </a:r>
+            <a:r>
+              <a:rPr lang="sv-SE" dirty="0" smtClean="0"/>
+              <a:t>&amp;key=6b8d9672-0c8d-4145-bb4e-b4d15f466be0</a:t>
+            </a:r>
+            <a:endParaRPr lang="sv-SE" dirty="0"/>
+          </a:p>
+          <a:p>
+            <a:pPr marL="0" indent="0">
+              <a:buNone/>
+            </a:pPr>
+            <a:endParaRPr lang="sv-SE" dirty="0"/>
+          </a:p>
+          <a:p>
+            <a:pPr marL="0" indent="0">
+              <a:buNone/>
+            </a:pPr>
+            <a:endParaRPr lang="sv-SE" dirty="0"/>
+          </a:p>
+        </p:txBody>
+      </p:sp>
+    </p:spTree>
+    <p:extLst>
+      <p:ext uri="{BB962C8B-B14F-4D97-AF65-F5344CB8AC3E}">
+        <p14:creationId xmlns:p14="http://schemas.microsoft.com/office/powerpoint/2010/main" val="2164805127"/>
+      </p:ext>
+    </p:extLst>
+  </p:cSld>
+  <p:clrMapOvr>
+    <a:masterClrMapping/>
+  </p:clrMapOvr>
+</p:sld>
+</file>
+
+<file path=ppt/slides/slide2.xml><?xml version="1.0" encoding="utf-8"?>
+<p:sld xmlns:a="http://schemas.openxmlformats.org/drawingml/2006/main" xmlns:r="http://schemas.openxmlformats.org/officeDocument/2006/relationships" xmlns:p="http://schemas.openxmlformats.org/presentationml/2006/main">
+  <p:cSld>
+    <p:spTree>
+      <p:nvGrpSpPr>
+        <p:cNvPr id="1" name=""/>
+        <p:cNvGrpSpPr/>
+        <p:nvPr/>
+      </p:nvGrpSpPr>
+      <p:grpSpPr>
+        <a:xfrm>
+          <a:off x="0" y="0"/>
+          <a:ext cx="0" cy="0"/>
+          <a:chOff x="0" y="0"/>
+          <a:chExt cx="0" cy="0"/>
+        </a:xfrm>
+      </p:grpSpPr>
+      <p:sp>
+        <p:nvSpPr>
+          <p:cNvPr id="4" name="Rubrik 3"/>
+          <p:cNvSpPr>
+            <a:spLocks noGrp="1"/>
+          </p:cNvSpPr>
+          <p:nvPr>
+            <p:ph type="title"/>
+          </p:nvPr>
+        </p:nvSpPr>
+        <p:spPr/>
+        <p:txBody>
+          <a:bodyPr/>
+          <a:lstStyle/>
+          <a:p>
+            <a:r>
+              <a:rPr lang="sv-SE" dirty="0" smtClean="0"/>
+              <a:t>Vem är jag</a:t>
+            </a:r>
+            <a:endParaRPr lang="sv-SE" dirty="0"/>
+          </a:p>
+        </p:txBody>
+      </p:sp>
+      <p:sp>
+        <p:nvSpPr>
+          <p:cNvPr id="5" name="Platshållare för innehåll 4"/>
+          <p:cNvSpPr>
+            <a:spLocks noGrp="1"/>
+          </p:cNvSpPr>
+          <p:nvPr>
+            <p:ph idx="1"/>
+          </p:nvPr>
+        </p:nvSpPr>
+        <p:spPr/>
+        <p:txBody>
+          <a:bodyPr/>
+          <a:lstStyle/>
+          <a:p>
+            <a:r>
+              <a:rPr lang="sv-SE" dirty="0" smtClean="0"/>
+              <a:t>Benny Jonsson, Systemarkitekt</a:t>
+            </a:r>
+          </a:p>
+          <a:p>
+            <a:r>
+              <a:rPr lang="sv-SE" dirty="0" smtClean="0"/>
+              <a:t>Nuvarande arbetsgivare</a:t>
+            </a:r>
+          </a:p>
+          <a:p>
+            <a:pPr lvl="1"/>
+            <a:r>
+              <a:rPr lang="sv-SE" dirty="0" smtClean="0"/>
+              <a:t>Lunds kommun, GIS, Digitalisering mm.</a:t>
+            </a:r>
+          </a:p>
+          <a:p>
+            <a:r>
+              <a:rPr lang="sv-SE" dirty="0" smtClean="0"/>
+              <a:t>Tidigare arbetsgivare</a:t>
+            </a:r>
+          </a:p>
+          <a:p>
+            <a:pPr lvl="1"/>
+            <a:r>
+              <a:rPr lang="sv-SE" dirty="0" smtClean="0"/>
+              <a:t>BIG Social media </a:t>
+            </a:r>
+            <a:r>
+              <a:rPr lang="sv-SE" dirty="0" err="1" smtClean="0"/>
+              <a:t>gmbh</a:t>
+            </a:r>
+            <a:r>
+              <a:rPr lang="sv-SE" dirty="0" smtClean="0"/>
+              <a:t>, Social media</a:t>
+            </a:r>
+          </a:p>
+          <a:p>
+            <a:pPr lvl="1"/>
+            <a:r>
+              <a:rPr lang="sv-SE" dirty="0" smtClean="0"/>
+              <a:t>Lund universitet, Prognos, planeringsverktyg för EU politik</a:t>
+            </a:r>
+          </a:p>
+          <a:p>
+            <a:pPr lvl="1"/>
+            <a:r>
+              <a:rPr lang="sv-SE" dirty="0" smtClean="0"/>
+              <a:t>Skogsstyrelsen, Geografiskt handläggarstöd</a:t>
+            </a:r>
+          </a:p>
+          <a:p>
+            <a:pPr lvl="1"/>
+            <a:r>
+              <a:rPr lang="sv-SE" dirty="0" smtClean="0"/>
+              <a:t>…</a:t>
+            </a:r>
+          </a:p>
+          <a:p>
+            <a:pPr lvl="1"/>
+            <a:r>
+              <a:rPr lang="sv-SE" dirty="0" smtClean="0"/>
+              <a:t>Energy </a:t>
+            </a:r>
+            <a:r>
+              <a:rPr lang="sv-SE" dirty="0" err="1" smtClean="0"/>
+              <a:t>Opticon</a:t>
+            </a:r>
+            <a:r>
+              <a:rPr lang="sv-SE" dirty="0" smtClean="0"/>
+              <a:t>, Energioptimering</a:t>
+            </a:r>
+          </a:p>
+          <a:p>
+            <a:r>
+              <a:rPr lang="sv-SE" dirty="0" smtClean="0"/>
+              <a:t>Även egen företagare</a:t>
+            </a:r>
+            <a:endParaRPr lang="sv-SE" dirty="0"/>
+          </a:p>
+        </p:txBody>
+      </p:sp>
+    </p:spTree>
+    <p:extLst>
+      <p:ext uri="{BB962C8B-B14F-4D97-AF65-F5344CB8AC3E}">
+        <p14:creationId xmlns:p14="http://schemas.microsoft.com/office/powerpoint/2010/main" val="1916887860"/>
+      </p:ext>
+    </p:extLst>
+  </p:cSld>
+  <p:clrMapOvr>
+    <a:masterClrMapping/>
+  </p:clrMapOvr>
+</p:sld>
+</file>
+
+<file path=ppt/slides/slide20.xml><?xml version="1.0" encoding="utf-8"?>
+<p:sld xmlns:a="http://schemas.openxmlformats.org/drawingml/2006/main" xmlns:r="http://schemas.openxmlformats.org/officeDocument/2006/relationships" xmlns:p="http://schemas.openxmlformats.org/presentationml/2006/main">
+  <p:cSld>
+    <p:spTree>
+      <p:nvGrpSpPr>
+        <p:cNvPr id="1" name=""/>
+        <p:cNvGrpSpPr/>
+        <p:nvPr/>
+      </p:nvGrpSpPr>
+      <p:grpSpPr>
+        <a:xfrm>
+          <a:off x="0" y="0"/>
+          <a:ext cx="0" cy="0"/>
+          <a:chOff x="0" y="0"/>
+          <a:chExt cx="0" cy="0"/>
+        </a:xfrm>
+      </p:grpSpPr>
+      <p:sp>
+        <p:nvSpPr>
+          <p:cNvPr id="2" name="Rubrik 1"/>
+          <p:cNvSpPr>
+            <a:spLocks noGrp="1"/>
+          </p:cNvSpPr>
+          <p:nvPr>
+            <p:ph type="title"/>
+          </p:nvPr>
+        </p:nvSpPr>
+        <p:spPr/>
+        <p:txBody>
+          <a:bodyPr/>
+          <a:lstStyle/>
+          <a:p>
+            <a:r>
+              <a:rPr lang="sv-SE" dirty="0" smtClean="0"/>
+              <a:t>Svar</a:t>
+            </a:r>
+            <a:endParaRPr lang="sv-SE" dirty="0"/>
+          </a:p>
+        </p:txBody>
+      </p:sp>
+      <p:sp>
+        <p:nvSpPr>
+          <p:cNvPr id="3" name="Platshållare för innehåll 2"/>
+          <p:cNvSpPr>
+            <a:spLocks noGrp="1"/>
+          </p:cNvSpPr>
+          <p:nvPr>
+            <p:ph idx="1"/>
+          </p:nvPr>
+        </p:nvSpPr>
+        <p:spPr/>
+        <p:txBody>
+          <a:bodyPr>
+            <a:normAutofit fontScale="92500"/>
+          </a:bodyPr>
+          <a:lstStyle/>
+          <a:p>
+            <a:r>
+              <a:rPr lang="sv-SE" dirty="0" smtClean="0"/>
+              <a:t>{"hints":{"visited_nodes.average":"48.0","visited_nodes.sum":"48"},"</a:t>
+            </a:r>
+            <a:r>
+              <a:rPr lang="sv-SE" dirty="0" err="1" smtClean="0"/>
+              <a:t>paths</a:t>
+            </a:r>
+            <a:r>
+              <a:rPr lang="sv-SE" dirty="0" smtClean="0"/>
+              <a:t>":[{"descend":</a:t>
+            </a:r>
+            <a:r>
+              <a:rPr lang="sv-SE" dirty="0"/>
+              <a:t>4.0</a:t>
+            </a:r>
+            <a:r>
+              <a:rPr lang="sv-SE" dirty="0" smtClean="0"/>
+              <a:t>,"ascend":</a:t>
+            </a:r>
+            <a:r>
+              <a:rPr lang="sv-SE" dirty="0"/>
+              <a:t>2.5</a:t>
+            </a:r>
+            <a:r>
+              <a:rPr lang="sv-SE" dirty="0" smtClean="0"/>
+              <a:t>,"</a:t>
+            </a:r>
+            <a:r>
+              <a:rPr lang="sv-SE" dirty="0" smtClean="0">
+                <a:solidFill>
+                  <a:srgbClr val="00B050"/>
+                </a:solidFill>
+              </a:rPr>
+              <a:t>distance</a:t>
+            </a:r>
+            <a:r>
+              <a:rPr lang="sv-SE" dirty="0" smtClean="0"/>
+              <a:t>":</a:t>
+            </a:r>
+            <a:r>
+              <a:rPr lang="sv-SE" b="1" dirty="0">
+                <a:solidFill>
+                  <a:srgbClr val="00B050"/>
+                </a:solidFill>
+              </a:rPr>
+              <a:t>535.011</a:t>
+            </a:r>
+            <a:r>
+              <a:rPr lang="sv-SE" dirty="0" smtClean="0"/>
+              <a:t>,"transfers":</a:t>
+            </a:r>
+            <a:r>
+              <a:rPr lang="sv-SE" dirty="0"/>
+              <a:t>0</a:t>
+            </a:r>
+            <a:r>
+              <a:rPr lang="sv-SE" dirty="0" smtClean="0"/>
+              <a:t>,"bbox":[</a:t>
+            </a:r>
+            <a:r>
+              <a:rPr lang="sv-SE" dirty="0"/>
+              <a:t>13.414905,55.676923,13.421022,55.677879</a:t>
+            </a:r>
+            <a:r>
+              <a:rPr lang="sv-SE" dirty="0" smtClean="0"/>
+              <a:t>],"legs":[],"weight":</a:t>
+            </a:r>
+            <a:r>
+              <a:rPr lang="sv-SE" dirty="0"/>
+              <a:t>535.009563</a:t>
+            </a:r>
+            <a:r>
+              <a:rPr lang="sv-SE" dirty="0" smtClean="0"/>
+              <a:t>,"time":</a:t>
+            </a:r>
+            <a:r>
+              <a:rPr lang="sv-SE" dirty="0"/>
+              <a:t>385199</a:t>
+            </a:r>
+            <a:r>
+              <a:rPr lang="sv-SE" dirty="0" smtClean="0"/>
+              <a:t>,"points_encoded":</a:t>
+            </a:r>
+            <a:r>
+              <a:rPr lang="sv-SE" dirty="0"/>
+              <a:t>false</a:t>
+            </a:r>
+            <a:r>
+              <a:rPr lang="sv-SE" dirty="0" smtClean="0"/>
+              <a:t>,"points":{"</a:t>
+            </a:r>
+            <a:r>
+              <a:rPr lang="sv-SE" dirty="0" err="1" smtClean="0"/>
+              <a:t>coordinates</a:t>
+            </a:r>
+            <a:r>
+              <a:rPr lang="sv-SE" dirty="0" smtClean="0">
+                <a:solidFill>
+                  <a:srgbClr val="FF0000"/>
+                </a:solidFill>
+              </a:rPr>
+              <a:t>":[[</a:t>
+            </a:r>
+            <a:r>
+              <a:rPr lang="sv-SE" dirty="0">
+                <a:solidFill>
+                  <a:srgbClr val="FF0000"/>
+                </a:solidFill>
+              </a:rPr>
+              <a:t>13.416339,55.676923],[13.415713,55.677032],[13.415129,55.677266],[13.414905,55.677406],[13.415218,55.677465],[13.417728,55.677879],[13.418135,55.677782],[13.419251,55.677556],[13.41928,55.677613],[13.419638,55.677535],[13.419875,55.677525],[13.419895,55.677666],[13.420253,55.677651],[13.42072,55.677605],[13.420786,55.677615],[13.420931,55.677714],[13.421012,55.677731],[13.421022,55.677702</a:t>
+            </a:r>
+            <a:r>
+              <a:rPr lang="sv-SE" dirty="0" smtClean="0">
+                <a:solidFill>
+                  <a:srgbClr val="FF0000"/>
+                </a:solidFill>
+              </a:rPr>
+              <a:t>]],"</a:t>
+            </a:r>
+            <a:r>
+              <a:rPr lang="sv-SE" dirty="0" err="1" smtClean="0">
+                <a:solidFill>
+                  <a:srgbClr val="FF0000"/>
+                </a:solidFill>
+              </a:rPr>
+              <a:t>type</a:t>
+            </a:r>
+            <a:r>
+              <a:rPr lang="sv-SE" dirty="0" smtClean="0">
+                <a:solidFill>
+                  <a:srgbClr val="FF0000"/>
+                </a:solidFill>
+              </a:rPr>
+              <a:t>":"</a:t>
+            </a:r>
+            <a:r>
+              <a:rPr lang="sv-SE" dirty="0" err="1" smtClean="0">
+                <a:solidFill>
+                  <a:srgbClr val="FF0000"/>
+                </a:solidFill>
+              </a:rPr>
+              <a:t>LineString</a:t>
+            </a:r>
+            <a:r>
+              <a:rPr lang="sv-SE" dirty="0" smtClean="0">
+                <a:solidFill>
+                  <a:srgbClr val="FF0000"/>
+                </a:solidFill>
+              </a:rPr>
+              <a:t>"</a:t>
+            </a:r>
+            <a:r>
+              <a:rPr lang="sv-SE" dirty="0" smtClean="0"/>
+              <a:t>},"</a:t>
+            </a:r>
+            <a:r>
+              <a:rPr lang="sv-SE" dirty="0" err="1" smtClean="0"/>
+              <a:t>snapped_waypoints</a:t>
+            </a:r>
+            <a:r>
+              <a:rPr lang="sv-SE" dirty="0" smtClean="0"/>
+              <a:t>":{"</a:t>
+            </a:r>
+            <a:r>
+              <a:rPr lang="sv-SE" dirty="0" err="1" smtClean="0"/>
+              <a:t>coordinates</a:t>
+            </a:r>
+            <a:r>
+              <a:rPr lang="sv-SE" dirty="0" smtClean="0"/>
+              <a:t>":[[</a:t>
+            </a:r>
+            <a:r>
+              <a:rPr lang="sv-SE" dirty="0"/>
+              <a:t>13.416339,55.676923],[13.421022,55.677702</a:t>
+            </a:r>
+            <a:r>
+              <a:rPr lang="sv-SE" dirty="0" smtClean="0"/>
+              <a:t>]],"</a:t>
+            </a:r>
+            <a:r>
+              <a:rPr lang="sv-SE" dirty="0" err="1" smtClean="0"/>
+              <a:t>type</a:t>
+            </a:r>
+            <a:r>
+              <a:rPr lang="sv-SE" dirty="0" smtClean="0"/>
+              <a:t>":"</a:t>
+            </a:r>
+            <a:r>
+              <a:rPr lang="sv-SE" dirty="0" err="1" smtClean="0"/>
+              <a:t>LineString</a:t>
+            </a:r>
+            <a:r>
+              <a:rPr lang="sv-SE" dirty="0" smtClean="0"/>
+              <a:t>"}}],"info":{"took":</a:t>
+            </a:r>
+            <a:r>
+              <a:rPr lang="sv-SE" dirty="0"/>
+              <a:t>1</a:t>
+            </a:r>
+            <a:r>
+              <a:rPr lang="sv-SE" dirty="0" smtClean="0"/>
+              <a:t>,"copyrights":["</a:t>
+            </a:r>
+            <a:r>
+              <a:rPr lang="sv-SE" dirty="0" err="1" smtClean="0"/>
+              <a:t>GraphHopper</a:t>
+            </a:r>
+            <a:r>
+              <a:rPr lang="sv-SE" dirty="0" smtClean="0"/>
+              <a:t>","</a:t>
+            </a:r>
+            <a:r>
+              <a:rPr lang="sv-SE" dirty="0" err="1" smtClean="0"/>
+              <a:t>OpenStreetMap</a:t>
+            </a:r>
+            <a:r>
+              <a:rPr lang="sv-SE" dirty="0" smtClean="0"/>
+              <a:t> </a:t>
+            </a:r>
+            <a:r>
+              <a:rPr lang="sv-SE" dirty="0" err="1" smtClean="0"/>
+              <a:t>contributors</a:t>
+            </a:r>
+            <a:r>
+              <a:rPr lang="sv-SE" dirty="0" smtClean="0"/>
+              <a:t>"]}}</a:t>
+            </a:r>
+            <a:endParaRPr lang="sv-SE" dirty="0"/>
+          </a:p>
+          <a:p>
+            <a:endParaRPr lang="sv-SE" dirty="0"/>
+          </a:p>
+          <a:p>
+            <a:endParaRPr lang="sv-SE" dirty="0"/>
+          </a:p>
+          <a:p>
+            <a:endParaRPr lang="sv-SE" dirty="0"/>
+          </a:p>
+        </p:txBody>
+      </p:sp>
+    </p:spTree>
+    <p:extLst>
+      <p:ext uri="{BB962C8B-B14F-4D97-AF65-F5344CB8AC3E}">
+        <p14:creationId xmlns:p14="http://schemas.microsoft.com/office/powerpoint/2010/main" val="1914404975"/>
+      </p:ext>
+    </p:extLst>
+  </p:cSld>
+  <p:clrMapOvr>
+    <a:masterClrMapping/>
+  </p:clrMapOvr>
+</p:sld>
+</file>
+
+<file path=ppt/slides/slide21.xml><?xml version="1.0" encoding="utf-8"?>
 <p:sld xmlns:a="http://schemas.openxmlformats.org/drawingml/2006/main" xmlns:r="http://schemas.openxmlformats.org/officeDocument/2006/relationships" xmlns:p="http://schemas.openxmlformats.org/presentationml/2006/main">
   <p:cSld>
     <p:spTree>
@@ -7926,7 +8774,7 @@
 </p:sld>
 </file>
 
-<file path=ppt/slides/slide19.xml><?xml version="1.0" encoding="utf-8"?>
+<file path=ppt/slides/slide22.xml><?xml version="1.0" encoding="utf-8"?>
 <p:sld xmlns:a="http://schemas.openxmlformats.org/drawingml/2006/main" xmlns:r="http://schemas.openxmlformats.org/officeDocument/2006/relationships" xmlns:p="http://schemas.openxmlformats.org/presentationml/2006/main">
   <p:cSld>
     <p:spTree>
@@ -8059,7 +8907,7 @@
 </p:sld>
 </file>
 
-<file path=ppt/slides/slide2.xml><?xml version="1.0" encoding="utf-8"?>
+<file path=ppt/slides/slide23.xml><?xml version="1.0" encoding="utf-8"?>
 <p:sld xmlns:a="http://schemas.openxmlformats.org/drawingml/2006/main" xmlns:r="http://schemas.openxmlformats.org/officeDocument/2006/relationships" xmlns:p="http://schemas.openxmlformats.org/presentationml/2006/main">
   <p:cSld>
     <p:spTree>
@@ -8093,7 +8941,7 @@
           <a:p>
             <a:r>
               <a:rPr lang="sv-SE" dirty="0" smtClean="0"/>
-              <a:t>Frågor</a:t>
+              <a:t>Att tänka på</a:t>
             </a:r>
             <a:endParaRPr lang="sv-SE" dirty="0"/>
           </a:p>
@@ -8116,88 +8964,6 @@
           <a:p>
             <a:r>
               <a:rPr lang="sv-SE" dirty="0" smtClean="0"/>
-              <a:t>Jag utgår från att ni skall avbryta mig med frågor!</a:t>
-            </a:r>
-          </a:p>
-        </p:txBody>
-      </p:sp>
-    </p:spTree>
-    <p:extLst>
-      <p:ext uri="{BB962C8B-B14F-4D97-AF65-F5344CB8AC3E}">
-        <p14:creationId xmlns:p14="http://schemas.microsoft.com/office/powerpoint/2010/main" val="3827037758"/>
-      </p:ext>
-    </p:extLst>
-  </p:cSld>
-  <p:clrMapOvr>
-    <a:masterClrMapping/>
-  </p:clrMapOvr>
-  <p:timing>
-    <p:tnLst>
-      <p:par>
-        <p:cTn id="1" dur="indefinite" restart="never" nodeType="tmRoot"/>
-      </p:par>
-    </p:tnLst>
-  </p:timing>
-</p:sld>
-</file>
-
-<file path=ppt/slides/slide20.xml><?xml version="1.0" encoding="utf-8"?>
-<p:sld xmlns:a="http://schemas.openxmlformats.org/drawingml/2006/main" xmlns:r="http://schemas.openxmlformats.org/officeDocument/2006/relationships" xmlns:p="http://schemas.openxmlformats.org/presentationml/2006/main">
-  <p:cSld>
-    <p:spTree>
-      <p:nvGrpSpPr>
-        <p:cNvPr id="1" name=""/>
-        <p:cNvGrpSpPr/>
-        <p:nvPr/>
-      </p:nvGrpSpPr>
-      <p:grpSpPr>
-        <a:xfrm>
-          <a:off x="0" y="0"/>
-          <a:ext cx="0" cy="0"/>
-          <a:chOff x="0" y="0"/>
-          <a:chExt cx="0" cy="0"/>
-        </a:xfrm>
-      </p:grpSpPr>
-      <p:sp>
-        <p:nvSpPr>
-          <p:cNvPr id="2" name="Rubrik 1"/>
-          <p:cNvSpPr>
-            <a:spLocks noGrp="1"/>
-          </p:cNvSpPr>
-          <p:nvPr>
-            <p:ph type="title"/>
-          </p:nvPr>
-        </p:nvSpPr>
-        <p:spPr/>
-        <p:txBody>
-          <a:bodyPr/>
-          <a:lstStyle/>
-          <a:p>
-            <a:r>
-              <a:rPr lang="sv-SE" dirty="0" smtClean="0"/>
-              <a:t>Att tänka på</a:t>
-            </a:r>
-            <a:endParaRPr lang="sv-SE" dirty="0"/>
-          </a:p>
-        </p:txBody>
-      </p:sp>
-      <p:sp>
-        <p:nvSpPr>
-          <p:cNvPr id="3" name="Platshållare för innehåll 2"/>
-          <p:cNvSpPr>
-            <a:spLocks noGrp="1"/>
-          </p:cNvSpPr>
-          <p:nvPr>
-            <p:ph idx="1"/>
-          </p:nvPr>
-        </p:nvSpPr>
-        <p:spPr/>
-        <p:txBody>
-          <a:bodyPr/>
-          <a:lstStyle/>
-          <a:p>
-            <a:r>
-              <a:rPr lang="sv-SE" dirty="0" smtClean="0"/>
               <a:t>Skolans ”besöks” adress</a:t>
             </a:r>
           </a:p>
@@ -8213,13 +8979,6 @@
             <a:r>
               <a:rPr lang="sv-SE" dirty="0" smtClean="0"/>
               <a:t>En adress per skola. Elevens klassrum kan ju flyttas över tid</a:t>
-            </a:r>
-          </a:p>
-          <a:p>
-            <a:pPr lvl="1"/>
-            <a:r>
-              <a:rPr lang="sv-SE" dirty="0" smtClean="0"/>
-              <a:t>Ta chansen att rätta upp byggnadsadresser till entréadress om möjligt</a:t>
             </a:r>
           </a:p>
           <a:p>
@@ -8265,7 +9024,7 @@
 </p:sld>
 </file>
 
-<file path=ppt/slides/slide21.xml><?xml version="1.0" encoding="utf-8"?>
+<file path=ppt/slides/slide24.xml><?xml version="1.0" encoding="utf-8"?>
 <p:sld xmlns:a="http://schemas.openxmlformats.org/drawingml/2006/main" xmlns:r="http://schemas.openxmlformats.org/officeDocument/2006/relationships" xmlns:p="http://schemas.openxmlformats.org/presentationml/2006/main">
   <p:cSld>
     <p:spTree>
@@ -8373,7 +9132,7 @@
 </p:sld>
 </file>
 
-<file path=ppt/slides/slide22.xml><?xml version="1.0" encoding="utf-8"?>
+<file path=ppt/slides/slide25.xml><?xml version="1.0" encoding="utf-8"?>
 <p:sld xmlns:a="http://schemas.openxmlformats.org/drawingml/2006/main" xmlns:r="http://schemas.openxmlformats.org/officeDocument/2006/relationships" xmlns:p="http://schemas.openxmlformats.org/presentationml/2006/main">
   <p:cSld>
     <p:spTree>
@@ -8627,7 +9386,7 @@
 </p:sld>
 </file>
 
-<file path=ppt/slides/slide23.xml><?xml version="1.0" encoding="utf-8"?>
+<file path=ppt/slides/slide26.xml><?xml version="1.0" encoding="utf-8"?>
 <p:sld xmlns:a="http://schemas.openxmlformats.org/drawingml/2006/main" xmlns:r="http://schemas.openxmlformats.org/officeDocument/2006/relationships" xmlns:p="http://schemas.openxmlformats.org/presentationml/2006/main">
   <p:cSld>
     <p:spTree>
@@ -8710,7 +9469,7 @@
 </p:sld>
 </file>
 
-<file path=ppt/slides/slide24.xml><?xml version="1.0" encoding="utf-8"?>
+<file path=ppt/slides/slide27.xml><?xml version="1.0" encoding="utf-8"?>
 <p:sld xmlns:a="http://schemas.openxmlformats.org/drawingml/2006/main" xmlns:r="http://schemas.openxmlformats.org/officeDocument/2006/relationships" xmlns:p="http://schemas.openxmlformats.org/presentationml/2006/main">
   <p:cSld>
     <p:spTree>
@@ -8791,7 +9550,7 @@
 </p:sld>
 </file>
 
-<file path=ppt/slides/slide25.xml><?xml version="1.0" encoding="utf-8"?>
+<file path=ppt/slides/slide28.xml><?xml version="1.0" encoding="utf-8"?>
 <p:sld xmlns:a="http://schemas.openxmlformats.org/drawingml/2006/main" xmlns:r="http://schemas.openxmlformats.org/officeDocument/2006/relationships" xmlns:p="http://schemas.openxmlformats.org/presentationml/2006/main">
   <p:cSld>
     <p:spTree>
@@ -8850,10 +9609,6 @@
           </a:bodyPr>
           <a:lstStyle/>
           <a:p>
-            <a:r>
-              <a:rPr lang="sv-SE" dirty="0" smtClean="0"/>
-              <a:t>Att tänka på</a:t>
-            </a:r>
             <a:endParaRPr lang="sv-SE" dirty="0"/>
           </a:p>
         </p:txBody>
@@ -8951,6 +9706,88 @@
 </file>
 
 <file path=ppt/slides/slide3.xml><?xml version="1.0" encoding="utf-8"?>
+<p:sld xmlns:a="http://schemas.openxmlformats.org/drawingml/2006/main" xmlns:r="http://schemas.openxmlformats.org/officeDocument/2006/relationships" xmlns:p="http://schemas.openxmlformats.org/presentationml/2006/main">
+  <p:cSld>
+    <p:spTree>
+      <p:nvGrpSpPr>
+        <p:cNvPr id="1" name=""/>
+        <p:cNvGrpSpPr/>
+        <p:nvPr/>
+      </p:nvGrpSpPr>
+      <p:grpSpPr>
+        <a:xfrm>
+          <a:off x="0" y="0"/>
+          <a:ext cx="0" cy="0"/>
+          <a:chOff x="0" y="0"/>
+          <a:chExt cx="0" cy="0"/>
+        </a:xfrm>
+      </p:grpSpPr>
+      <p:sp>
+        <p:nvSpPr>
+          <p:cNvPr id="2" name="Rubrik 1"/>
+          <p:cNvSpPr>
+            <a:spLocks noGrp="1"/>
+          </p:cNvSpPr>
+          <p:nvPr>
+            <p:ph type="title"/>
+          </p:nvPr>
+        </p:nvSpPr>
+        <p:spPr/>
+        <p:txBody>
+          <a:bodyPr/>
+          <a:lstStyle/>
+          <a:p>
+            <a:r>
+              <a:rPr lang="sv-SE" dirty="0" smtClean="0"/>
+              <a:t>Frågor</a:t>
+            </a:r>
+            <a:endParaRPr lang="sv-SE" dirty="0"/>
+          </a:p>
+        </p:txBody>
+      </p:sp>
+      <p:sp>
+        <p:nvSpPr>
+          <p:cNvPr id="3" name="Platshållare för innehåll 2"/>
+          <p:cNvSpPr>
+            <a:spLocks noGrp="1"/>
+          </p:cNvSpPr>
+          <p:nvPr>
+            <p:ph idx="1"/>
+          </p:nvPr>
+        </p:nvSpPr>
+        <p:spPr/>
+        <p:txBody>
+          <a:bodyPr/>
+          <a:lstStyle/>
+          <a:p>
+            <a:r>
+              <a:rPr lang="sv-SE" dirty="0" smtClean="0"/>
+              <a:t>Jag utgår från att ni skall avbryta mig med frågor!</a:t>
+            </a:r>
+          </a:p>
+        </p:txBody>
+      </p:sp>
+    </p:spTree>
+    <p:extLst>
+      <p:ext uri="{BB962C8B-B14F-4D97-AF65-F5344CB8AC3E}">
+        <p14:creationId xmlns:p14="http://schemas.microsoft.com/office/powerpoint/2010/main" val="3827037758"/>
+      </p:ext>
+    </p:extLst>
+  </p:cSld>
+  <p:clrMapOvr>
+    <a:masterClrMapping/>
+  </p:clrMapOvr>
+  <p:timing>
+    <p:tnLst>
+      <p:par>
+        <p:cTn id="1" dur="indefinite" restart="never" nodeType="tmRoot"/>
+      </p:par>
+    </p:tnLst>
+  </p:timing>
+</p:sld>
+</file>
+
+<file path=ppt/slides/slide4.xml><?xml version="1.0" encoding="utf-8"?>
 <p:sld xmlns:a="http://schemas.openxmlformats.org/drawingml/2006/main" xmlns:r="http://schemas.openxmlformats.org/officeDocument/2006/relationships" xmlns:p="http://schemas.openxmlformats.org/presentationml/2006/main">
   <p:cSld>
     <p:spTree>
@@ -9205,7 +10042,7 @@
 </p:sld>
 </file>
 
-<file path=ppt/slides/slide4.xml><?xml version="1.0" encoding="utf-8"?>
+<file path=ppt/slides/slide5.xml><?xml version="1.0" encoding="utf-8"?>
 <p:sld xmlns:a="http://schemas.openxmlformats.org/drawingml/2006/main" xmlns:r="http://schemas.openxmlformats.org/officeDocument/2006/relationships" xmlns:p="http://schemas.openxmlformats.org/presentationml/2006/main">
   <p:cSld>
     <p:spTree>
@@ -9239,7 +10076,7 @@
           <a:p>
             <a:r>
               <a:rPr lang="sv-SE" dirty="0" smtClean="0"/>
-              <a:t>Bakgrund</a:t>
+              <a:t>Urvalsprincip</a:t>
             </a:r>
             <a:endParaRPr lang="sv-SE" dirty="0"/>
           </a:p>
@@ -9261,23 +10098,341 @@
           <a:lstStyle/>
           <a:p>
             <a:r>
-              <a:rPr lang="sv-SE" dirty="0" smtClean="0"/>
-              <a:t>Tidigare mot kommunen om hur beräkningar skett.</a:t>
+              <a:rPr lang="sv-SE" b="1" dirty="0"/>
+              <a:t>15 §</a:t>
+            </a:r>
+            <a:r>
+              <a:rPr lang="sv-SE" dirty="0"/>
+              <a:t> En elev ska placeras vid den av kommunens skolenheter </a:t>
+            </a:r>
+            <a:r>
+              <a:rPr lang="sv-SE" b="1" dirty="0"/>
+              <a:t>där elevens vårdnadshavare önskar </a:t>
+            </a:r>
+            <a:r>
+              <a:rPr lang="sv-SE" dirty="0"/>
+              <a:t>att eleven ska gå. Om den önskade placeringen skulle medföra att en annan elevs berättigade krav på placering vid en skolenhet nära hemmet åsidosätts, ska dock kommunen placera eleven vid en annan skolenhet.</a:t>
+            </a:r>
+          </a:p>
+          <a:p>
+            <a:r>
+              <a:rPr lang="sv-SE" dirty="0"/>
+              <a:t>Kommunen får annars frångå elevens vårdnadshavares önskemål endast om den önskade placeringen skulle </a:t>
+            </a:r>
+            <a:r>
+              <a:rPr lang="sv-SE" b="1" i="1" dirty="0"/>
+              <a:t>medföra att betydande organisatoriska eller ekonomiska svårigheter uppstår för kommunen</a:t>
+            </a:r>
+            <a:r>
+              <a:rPr lang="sv-SE" dirty="0"/>
+              <a:t>.</a:t>
+            </a:r>
+          </a:p>
+          <a:p>
+            <a:endParaRPr lang="sv-SE" dirty="0"/>
+          </a:p>
+        </p:txBody>
+      </p:sp>
+    </p:spTree>
+    <p:extLst>
+      <p:ext uri="{BB962C8B-B14F-4D97-AF65-F5344CB8AC3E}">
+        <p14:creationId xmlns:p14="http://schemas.microsoft.com/office/powerpoint/2010/main" val="1928555560"/>
+      </p:ext>
+    </p:extLst>
+  </p:cSld>
+  <p:clrMapOvr>
+    <a:masterClrMapping/>
+  </p:clrMapOvr>
+  <p:timing>
+    <p:tnLst>
+      <p:par>
+        <p:cTn id="1" dur="indefinite" restart="never" nodeType="tmRoot"/>
+      </p:par>
+    </p:tnLst>
+  </p:timing>
+</p:sld>
+</file>
+
+<file path=ppt/slides/slide6.xml><?xml version="1.0" encoding="utf-8"?>
+<p:sld xmlns:a="http://schemas.openxmlformats.org/drawingml/2006/main" xmlns:r="http://schemas.openxmlformats.org/officeDocument/2006/relationships" xmlns:p="http://schemas.openxmlformats.org/presentationml/2006/main">
+  <p:cSld>
+    <p:spTree>
+      <p:nvGrpSpPr>
+        <p:cNvPr id="1" name=""/>
+        <p:cNvGrpSpPr/>
+        <p:nvPr/>
+      </p:nvGrpSpPr>
+      <p:grpSpPr>
+        <a:xfrm>
+          <a:off x="0" y="0"/>
+          <a:ext cx="0" cy="0"/>
+          <a:chOff x="0" y="0"/>
+          <a:chExt cx="0" cy="0"/>
+        </a:xfrm>
+      </p:grpSpPr>
+      <p:sp>
+        <p:nvSpPr>
+          <p:cNvPr id="2" name="Rubrik 1"/>
+          <p:cNvSpPr>
+            <a:spLocks noGrp="1"/>
+          </p:cNvSpPr>
+          <p:nvPr>
+            <p:ph type="title"/>
+          </p:nvPr>
+        </p:nvSpPr>
+        <p:spPr/>
+        <p:txBody>
+          <a:bodyPr/>
+          <a:lstStyle/>
+          <a:p>
+            <a:r>
+              <a:rPr lang="sv-SE" dirty="0" smtClean="0"/>
+              <a:t>Placering Lund</a:t>
+            </a:r>
+            <a:endParaRPr lang="sv-SE" dirty="0"/>
+          </a:p>
+        </p:txBody>
+      </p:sp>
+      <p:sp>
+        <p:nvSpPr>
+          <p:cNvPr id="3" name="Platshållare för innehåll 2"/>
+          <p:cNvSpPr>
+            <a:spLocks noGrp="1"/>
+          </p:cNvSpPr>
+          <p:nvPr>
+            <p:ph idx="1"/>
+          </p:nvPr>
+        </p:nvSpPr>
+        <p:spPr/>
+        <p:txBody>
+          <a:bodyPr/>
+          <a:lstStyle/>
+          <a:p>
+            <a:r>
+              <a:rPr lang="sv-SE" b="1" dirty="0" smtClean="0"/>
+              <a:t>Syskonförtur</a:t>
+            </a:r>
+          </a:p>
+          <a:p>
+            <a:r>
+              <a:rPr lang="sv-SE" b="1" dirty="0" smtClean="0"/>
+              <a:t>Vårdnadshavares önskemål</a:t>
+            </a:r>
+          </a:p>
+          <a:p>
+            <a:r>
+              <a:rPr lang="sv-SE" b="1" u="sng" dirty="0" smtClean="0"/>
+              <a:t>Skolenhet </a:t>
+            </a:r>
+            <a:r>
+              <a:rPr lang="sv-SE" b="1" u="sng" dirty="0"/>
+              <a:t>nära </a:t>
+            </a:r>
+            <a:r>
+              <a:rPr lang="sv-SE" b="1" u="sng" dirty="0" smtClean="0"/>
+              <a:t>hemmet</a:t>
             </a:r>
           </a:p>
           <a:p>
             <a:pPr lvl="1"/>
             <a:r>
-              <a:rPr lang="sv-SE" dirty="0" smtClean="0"/>
-              <a:t>De mättes för </a:t>
-            </a:r>
-            <a:r>
-              <a:rPr lang="sv-SE" dirty="0" smtClean="0"/>
-              <a:t>hand </a:t>
-            </a:r>
-            <a:r>
-              <a:rPr lang="sv-SE" dirty="0" smtClean="0"/>
-              <a:t>av tjänsteman. </a:t>
+              <a:rPr lang="sv-SE" b="1" dirty="0" smtClean="0"/>
+              <a:t>Max 2km / SKOLSKJUTS</a:t>
+            </a:r>
+          </a:p>
+          <a:p>
+            <a:r>
+              <a:rPr lang="sv-SE" b="1" dirty="0"/>
+              <a:t>Relativ </a:t>
+            </a:r>
+            <a:r>
+              <a:rPr lang="sv-SE" b="1" dirty="0" smtClean="0"/>
+              <a:t>närhet</a:t>
+            </a:r>
+          </a:p>
+          <a:p>
+            <a:r>
+              <a:rPr lang="sv-SE" b="1" dirty="0" smtClean="0"/>
+              <a:t>Aktiva </a:t>
+            </a:r>
+            <a:r>
+              <a:rPr lang="sv-SE" b="1" dirty="0"/>
+              <a:t>val prioriteras före </a:t>
+            </a:r>
+            <a:r>
+              <a:rPr lang="sv-SE" b="1" dirty="0" smtClean="0"/>
+              <a:t>icke-val</a:t>
+            </a:r>
+          </a:p>
+        </p:txBody>
+      </p:sp>
+    </p:spTree>
+    <p:extLst>
+      <p:ext uri="{BB962C8B-B14F-4D97-AF65-F5344CB8AC3E}">
+        <p14:creationId xmlns:p14="http://schemas.microsoft.com/office/powerpoint/2010/main" val="3251529582"/>
+      </p:ext>
+    </p:extLst>
+  </p:cSld>
+  <p:clrMapOvr>
+    <a:masterClrMapping/>
+  </p:clrMapOvr>
+  <p:timing>
+    <p:tnLst>
+      <p:par>
+        <p:cTn id="1" dur="indefinite" restart="never" nodeType="tmRoot"/>
+      </p:par>
+    </p:tnLst>
+  </p:timing>
+</p:sld>
+</file>
+
+<file path=ppt/slides/slide7.xml><?xml version="1.0" encoding="utf-8"?>
+<p:sld xmlns:a="http://schemas.openxmlformats.org/drawingml/2006/main" xmlns:r="http://schemas.openxmlformats.org/officeDocument/2006/relationships" xmlns:p="http://schemas.openxmlformats.org/presentationml/2006/main">
+  <p:cSld>
+    <p:spTree>
+      <p:nvGrpSpPr>
+        <p:cNvPr id="1" name=""/>
+        <p:cNvGrpSpPr/>
+        <p:nvPr/>
+      </p:nvGrpSpPr>
+      <p:grpSpPr>
+        <a:xfrm>
+          <a:off x="0" y="0"/>
+          <a:ext cx="0" cy="0"/>
+          <a:chOff x="0" y="0"/>
+          <a:chExt cx="0" cy="0"/>
+        </a:xfrm>
+      </p:grpSpPr>
+      <p:sp>
+        <p:nvSpPr>
+          <p:cNvPr id="2" name="Rubrik 1"/>
+          <p:cNvSpPr>
+            <a:spLocks noGrp="1"/>
+          </p:cNvSpPr>
+          <p:nvPr>
+            <p:ph type="title"/>
+          </p:nvPr>
+        </p:nvSpPr>
+        <p:spPr/>
+        <p:txBody>
+          <a:bodyPr/>
+          <a:lstStyle/>
+          <a:p>
+            <a:r>
+              <a:rPr lang="sv-SE" dirty="0" smtClean="0"/>
+              <a:t>Säker skolväg</a:t>
+            </a:r>
+            <a:endParaRPr lang="sv-SE" dirty="0"/>
+          </a:p>
+        </p:txBody>
+      </p:sp>
+      <p:sp>
+        <p:nvSpPr>
+          <p:cNvPr id="3" name="Platshållare för innehåll 2"/>
+          <p:cNvSpPr>
+            <a:spLocks noGrp="1"/>
+          </p:cNvSpPr>
+          <p:nvPr>
+            <p:ph idx="1"/>
+          </p:nvPr>
+        </p:nvSpPr>
+        <p:spPr/>
+        <p:txBody>
+          <a:bodyPr/>
+          <a:lstStyle/>
+          <a:p>
+            <a:r>
+              <a:rPr lang="sv-SE" dirty="0"/>
+              <a:t>Sträckan mellan hem och skola ska vara så kallad säker skolväg. Säker skolväg är en sträcka som i största möjliga mån har gång och cykelbanor som är skilda från övrig trafik, samt har bevakade eller markerade gång- och cykelöverfarter.</a:t>
+            </a:r>
+          </a:p>
+        </p:txBody>
+      </p:sp>
+    </p:spTree>
+    <p:extLst>
+      <p:ext uri="{BB962C8B-B14F-4D97-AF65-F5344CB8AC3E}">
+        <p14:creationId xmlns:p14="http://schemas.microsoft.com/office/powerpoint/2010/main" val="2552481288"/>
+      </p:ext>
+    </p:extLst>
+  </p:cSld>
+  <p:clrMapOvr>
+    <a:masterClrMapping/>
+  </p:clrMapOvr>
+  <p:timing>
+    <p:tnLst>
+      <p:par>
+        <p:cTn id="1" dur="indefinite" restart="never" nodeType="tmRoot"/>
+      </p:par>
+    </p:tnLst>
+  </p:timing>
+</p:sld>
+</file>
+
+<file path=ppt/slides/slide8.xml><?xml version="1.0" encoding="utf-8"?>
+<p:sld xmlns:a="http://schemas.openxmlformats.org/drawingml/2006/main" xmlns:r="http://schemas.openxmlformats.org/officeDocument/2006/relationships" xmlns:p="http://schemas.openxmlformats.org/presentationml/2006/main">
+  <p:cSld>
+    <p:spTree>
+      <p:nvGrpSpPr>
+        <p:cNvPr id="1" name=""/>
+        <p:cNvGrpSpPr/>
+        <p:nvPr/>
+      </p:nvGrpSpPr>
+      <p:grpSpPr>
+        <a:xfrm>
+          <a:off x="0" y="0"/>
+          <a:ext cx="0" cy="0"/>
+          <a:chOff x="0" y="0"/>
+          <a:chExt cx="0" cy="0"/>
+        </a:xfrm>
+      </p:grpSpPr>
+      <p:sp>
+        <p:nvSpPr>
+          <p:cNvPr id="2" name="Rubrik 1"/>
+          <p:cNvSpPr>
+            <a:spLocks noGrp="1"/>
+          </p:cNvSpPr>
+          <p:nvPr>
+            <p:ph type="title"/>
+          </p:nvPr>
+        </p:nvSpPr>
+        <p:spPr/>
+        <p:txBody>
+          <a:bodyPr/>
+          <a:lstStyle/>
+          <a:p>
+            <a:r>
+              <a:rPr lang="sv-SE" dirty="0" smtClean="0"/>
+              <a:t>Bakgrund</a:t>
+            </a:r>
+            <a:endParaRPr lang="sv-SE" dirty="0"/>
+          </a:p>
+        </p:txBody>
+      </p:sp>
+      <p:sp>
+        <p:nvSpPr>
+          <p:cNvPr id="3" name="Platshållare för innehåll 2"/>
+          <p:cNvSpPr>
+            <a:spLocks noGrp="1"/>
+          </p:cNvSpPr>
+          <p:nvPr>
+            <p:ph idx="1"/>
+          </p:nvPr>
+        </p:nvSpPr>
+        <p:spPr/>
+        <p:txBody>
+          <a:bodyPr/>
+          <a:lstStyle/>
+          <a:p>
+            <a:r>
+              <a:rPr lang="sv-SE" dirty="0" smtClean="0"/>
+              <a:t>2017 beräknades avstånd för hand.</a:t>
+            </a:r>
+          </a:p>
+          <a:p>
+            <a:pPr lvl="1"/>
+            <a:r>
+              <a:rPr lang="sv-SE" dirty="0" smtClean="0"/>
+              <a:t>Visserligen på digitala kartor</a:t>
             </a:r>
             <a:endParaRPr lang="sv-SE" dirty="0"/>
           </a:p>
@@ -9303,252 +10458,8 @@
 </p:sld>
 </file>
 
-<file path=ppt/slides/slide5.xml><?xml version="1.0" encoding="utf-8"?>
+<file path=ppt/slides/slide9.xml><?xml version="1.0" encoding="utf-8"?>
 <p:sld xmlns:a="http://schemas.openxmlformats.org/drawingml/2006/main" xmlns:r="http://schemas.openxmlformats.org/officeDocument/2006/relationships" xmlns:p="http://schemas.openxmlformats.org/presentationml/2006/main">
-  <p:cSld>
-    <p:spTree>
-      <p:nvGrpSpPr>
-        <p:cNvPr id="1" name=""/>
-        <p:cNvGrpSpPr/>
-        <p:nvPr/>
-      </p:nvGrpSpPr>
-      <p:grpSpPr>
-        <a:xfrm>
-          <a:off x="0" y="0"/>
-          <a:ext cx="0" cy="0"/>
-          <a:chOff x="0" y="0"/>
-          <a:chExt cx="0" cy="0"/>
-        </a:xfrm>
-      </p:grpSpPr>
-      <p:sp>
-        <p:nvSpPr>
-          <p:cNvPr id="2" name="Rubrik 1"/>
-          <p:cNvSpPr>
-            <a:spLocks noGrp="1"/>
-          </p:cNvSpPr>
-          <p:nvPr>
-            <p:ph type="title"/>
-          </p:nvPr>
-        </p:nvSpPr>
-        <p:spPr/>
-        <p:txBody>
-          <a:bodyPr/>
-          <a:lstStyle/>
-          <a:p>
-            <a:r>
-              <a:rPr lang="sv-SE" dirty="0" smtClean="0"/>
-              <a:t>Urvalsprincip</a:t>
-            </a:r>
-            <a:endParaRPr lang="sv-SE" dirty="0"/>
-          </a:p>
-        </p:txBody>
-      </p:sp>
-      <p:sp>
-        <p:nvSpPr>
-          <p:cNvPr id="3" name="Platshållare för innehåll 2"/>
-          <p:cNvSpPr>
-            <a:spLocks noGrp="1"/>
-          </p:cNvSpPr>
-          <p:nvPr>
-            <p:ph idx="1"/>
-          </p:nvPr>
-        </p:nvSpPr>
-        <p:spPr/>
-        <p:txBody>
-          <a:bodyPr/>
-          <a:lstStyle/>
-          <a:p>
-            <a:r>
-              <a:rPr lang="sv-SE" b="1" dirty="0"/>
-              <a:t>15 §</a:t>
-            </a:r>
-            <a:r>
-              <a:rPr lang="sv-SE" dirty="0"/>
-              <a:t> En elev ska placeras vid den av kommunens skolenheter </a:t>
-            </a:r>
-            <a:r>
-              <a:rPr lang="sv-SE" b="1" dirty="0"/>
-              <a:t>där elevens vårdnadshavare önskar </a:t>
-            </a:r>
-            <a:r>
-              <a:rPr lang="sv-SE" dirty="0"/>
-              <a:t>att eleven ska gå. Om den önskade placeringen skulle medföra att en annan elevs berättigade krav på placering vid en skolenhet nära hemmet åsidosätts, ska dock kommunen placera eleven vid en annan skolenhet.</a:t>
-            </a:r>
-          </a:p>
-          <a:p>
-            <a:r>
-              <a:rPr lang="sv-SE" dirty="0"/>
-              <a:t>Kommunen får annars frångå elevens vårdnadshavares önskemål endast om den önskade placeringen skulle </a:t>
-            </a:r>
-            <a:r>
-              <a:rPr lang="sv-SE" b="1" i="1" dirty="0"/>
-              <a:t>medföra att betydande organisatoriska eller ekonomiska svårigheter uppstår för kommunen</a:t>
-            </a:r>
-            <a:r>
-              <a:rPr lang="sv-SE" dirty="0"/>
-              <a:t>.</a:t>
-            </a:r>
-          </a:p>
-          <a:p>
-            <a:endParaRPr lang="sv-SE" dirty="0"/>
-          </a:p>
-        </p:txBody>
-      </p:sp>
-    </p:spTree>
-    <p:extLst>
-      <p:ext uri="{BB962C8B-B14F-4D97-AF65-F5344CB8AC3E}">
-        <p14:creationId xmlns:p14="http://schemas.microsoft.com/office/powerpoint/2010/main" val="1928555560"/>
-      </p:ext>
-    </p:extLst>
-  </p:cSld>
-  <p:clrMapOvr>
-    <a:masterClrMapping/>
-  </p:clrMapOvr>
-  <p:timing>
-    <p:tnLst>
-      <p:par>
-        <p:cTn id="1" dur="indefinite" restart="never" nodeType="tmRoot"/>
-      </p:par>
-    </p:tnLst>
-  </p:timing>
-</p:sld>
-</file>
-
-<file path=ppt/slides/slide6.xml><?xml version="1.0" encoding="utf-8"?>
-<p:sld xmlns:a="http://schemas.openxmlformats.org/drawingml/2006/main" xmlns:r="http://schemas.openxmlformats.org/officeDocument/2006/relationships" xmlns:p="http://schemas.openxmlformats.org/presentationml/2006/main">
-  <p:cSld>
-    <p:spTree>
-      <p:nvGrpSpPr>
-        <p:cNvPr id="1" name=""/>
-        <p:cNvGrpSpPr/>
-        <p:nvPr/>
-      </p:nvGrpSpPr>
-      <p:grpSpPr>
-        <a:xfrm>
-          <a:off x="0" y="0"/>
-          <a:ext cx="0" cy="0"/>
-          <a:chOff x="0" y="0"/>
-          <a:chExt cx="0" cy="0"/>
-        </a:xfrm>
-      </p:grpSpPr>
-      <p:sp>
-        <p:nvSpPr>
-          <p:cNvPr id="2" name="Rubrik 1"/>
-          <p:cNvSpPr>
-            <a:spLocks noGrp="1"/>
-          </p:cNvSpPr>
-          <p:nvPr>
-            <p:ph type="title"/>
-          </p:nvPr>
-        </p:nvSpPr>
-        <p:spPr/>
-        <p:txBody>
-          <a:bodyPr/>
-          <a:lstStyle/>
-          <a:p>
-            <a:r>
-              <a:rPr lang="sv-SE" dirty="0" smtClean="0"/>
-              <a:t>Placering Lund</a:t>
-            </a:r>
-            <a:endParaRPr lang="sv-SE" dirty="0"/>
-          </a:p>
-        </p:txBody>
-      </p:sp>
-      <p:sp>
-        <p:nvSpPr>
-          <p:cNvPr id="3" name="Platshållare för innehåll 2"/>
-          <p:cNvSpPr>
-            <a:spLocks noGrp="1"/>
-          </p:cNvSpPr>
-          <p:nvPr>
-            <p:ph idx="1"/>
-          </p:nvPr>
-        </p:nvSpPr>
-        <p:spPr/>
-        <p:txBody>
-          <a:bodyPr/>
-          <a:lstStyle/>
-          <a:p>
-            <a:r>
-              <a:rPr lang="sv-SE" b="1" dirty="0" smtClean="0"/>
-              <a:t>Syskonförtur</a:t>
-            </a:r>
-          </a:p>
-          <a:p>
-            <a:r>
-              <a:rPr lang="sv-SE" b="1" dirty="0" smtClean="0"/>
-              <a:t>Vårdnadshavares önskemål</a:t>
-            </a:r>
-          </a:p>
-          <a:p>
-            <a:r>
-              <a:rPr lang="sv-SE" b="1" u="sng" dirty="0" smtClean="0"/>
-              <a:t>Skolenhet </a:t>
-            </a:r>
-            <a:r>
-              <a:rPr lang="sv-SE" b="1" u="sng" dirty="0"/>
-              <a:t>nära </a:t>
-            </a:r>
-            <a:r>
-              <a:rPr lang="sv-SE" b="1" u="sng" dirty="0" smtClean="0"/>
-              <a:t>hemmet</a:t>
-            </a:r>
-          </a:p>
-          <a:p>
-            <a:pPr lvl="1"/>
-            <a:r>
-              <a:rPr lang="sv-SE" b="1" dirty="0" smtClean="0"/>
-              <a:t>Max 2km / SKOLSKJUTS</a:t>
-            </a:r>
-          </a:p>
-          <a:p>
-            <a:r>
-              <a:rPr lang="sv-SE" b="1" dirty="0"/>
-              <a:t>Relativ </a:t>
-            </a:r>
-            <a:r>
-              <a:rPr lang="sv-SE" b="1" dirty="0" smtClean="0"/>
-              <a:t>närhet</a:t>
-            </a:r>
-          </a:p>
-          <a:p>
-            <a:r>
-              <a:rPr lang="sv-SE" b="1" dirty="0" smtClean="0"/>
-              <a:t>Aktiva </a:t>
-            </a:r>
-            <a:r>
-              <a:rPr lang="sv-SE" b="1" dirty="0"/>
-              <a:t>val prioriteras före </a:t>
-            </a:r>
-            <a:r>
-              <a:rPr lang="sv-SE" b="1" dirty="0" smtClean="0"/>
-              <a:t>icke-val</a:t>
-            </a:r>
-          </a:p>
-        </p:txBody>
-      </p:sp>
-    </p:spTree>
-    <p:extLst>
-      <p:ext uri="{BB962C8B-B14F-4D97-AF65-F5344CB8AC3E}">
-        <p14:creationId xmlns:p14="http://schemas.microsoft.com/office/powerpoint/2010/main" val="3251529582"/>
-      </p:ext>
-    </p:extLst>
-  </p:cSld>
-  <p:clrMapOvr>
-    <a:masterClrMapping/>
-  </p:clrMapOvr>
-  <p:timing>
-    <p:tnLst>
-      <p:par>
-        <p:cTn id="1" dur="indefinite" restart="never" nodeType="tmRoot"/>
-      </p:par>
-    </p:tnLst>
-  </p:timing>
-</p:sld>
-</file>
-
-<file path=ppt/slides/slide7.xml><?xml version="1.0" encoding="utf-8"?>
-<p:sld xmlns:a="http://schemas.openxmlformats.org/drawingml/2006/main" xmlns:r="http://schemas.openxmlformats.org/officeDocument/2006/relationships" xmlns:p="http://schemas.openxmlformats.org/presentationml/2006/main" show="0">
   <p:cSld>
     <p:spTree>
       <p:nvGrpSpPr>
@@ -9659,227 +10570,6 @@
     <p:extLst>
       <p:ext uri="{BB962C8B-B14F-4D97-AF65-F5344CB8AC3E}">
         <p14:creationId xmlns:p14="http://schemas.microsoft.com/office/powerpoint/2010/main" val="3180452327"/>
-      </p:ext>
-    </p:extLst>
-  </p:cSld>
-  <p:clrMapOvr>
-    <a:masterClrMapping/>
-  </p:clrMapOvr>
-  <mc:AlternateContent xmlns:mc="http://schemas.openxmlformats.org/markup-compatibility/2006" xmlns:p14="http://schemas.microsoft.com/office/powerpoint/2010/main">
-    <mc:Choice Requires="p14">
-      <p:transition spd="slow" p14:dur="2000"/>
-    </mc:Choice>
-    <mc:Fallback xmlns="">
-      <p:transition spd="slow"/>
-    </mc:Fallback>
-  </mc:AlternateContent>
-  <p:timing>
-    <p:tnLst>
-      <p:par>
-        <p:cTn id="1" dur="indefinite" restart="never" nodeType="tmRoot"/>
-      </p:par>
-    </p:tnLst>
-  </p:timing>
-</p:sld>
-</file>
-
-<file path=ppt/slides/slide8.xml><?xml version="1.0" encoding="utf-8"?>
-<p:sld xmlns:a="http://schemas.openxmlformats.org/drawingml/2006/main" xmlns:r="http://schemas.openxmlformats.org/officeDocument/2006/relationships" xmlns:p="http://schemas.openxmlformats.org/presentationml/2006/main">
-  <p:cSld>
-    <p:spTree>
-      <p:nvGrpSpPr>
-        <p:cNvPr id="1" name=""/>
-        <p:cNvGrpSpPr/>
-        <p:nvPr/>
-      </p:nvGrpSpPr>
-      <p:grpSpPr>
-        <a:xfrm>
-          <a:off x="0" y="0"/>
-          <a:ext cx="0" cy="0"/>
-          <a:chOff x="0" y="0"/>
-          <a:chExt cx="0" cy="0"/>
-        </a:xfrm>
-      </p:grpSpPr>
-      <p:sp>
-        <p:nvSpPr>
-          <p:cNvPr id="2" name="Rubrik 1"/>
-          <p:cNvSpPr>
-            <a:spLocks noGrp="1"/>
-          </p:cNvSpPr>
-          <p:nvPr>
-            <p:ph type="title"/>
-          </p:nvPr>
-        </p:nvSpPr>
-        <p:spPr/>
-        <p:txBody>
-          <a:bodyPr/>
-          <a:lstStyle/>
-          <a:p>
-            <a:r>
-              <a:rPr lang="sv-SE" dirty="0" smtClean="0"/>
-              <a:t>Säker skolväg</a:t>
-            </a:r>
-            <a:endParaRPr lang="sv-SE" dirty="0"/>
-          </a:p>
-        </p:txBody>
-      </p:sp>
-      <p:sp>
-        <p:nvSpPr>
-          <p:cNvPr id="3" name="Platshållare för innehåll 2"/>
-          <p:cNvSpPr>
-            <a:spLocks noGrp="1"/>
-          </p:cNvSpPr>
-          <p:nvPr>
-            <p:ph idx="1"/>
-          </p:nvPr>
-        </p:nvSpPr>
-        <p:spPr/>
-        <p:txBody>
-          <a:bodyPr/>
-          <a:lstStyle/>
-          <a:p>
-            <a:r>
-              <a:rPr lang="sv-SE" dirty="0"/>
-              <a:t>Sträckan mellan hem och skola ska vara så kallad säker skolväg. Säker skolväg är en sträcka som i största möjliga mån har gång och cykelbanor som är skilda från övrig trafik, samt har bevakade eller markerade gång- och cykelöverfarter.</a:t>
-            </a:r>
-          </a:p>
-        </p:txBody>
-      </p:sp>
-    </p:spTree>
-    <p:extLst>
-      <p:ext uri="{BB962C8B-B14F-4D97-AF65-F5344CB8AC3E}">
-        <p14:creationId xmlns:p14="http://schemas.microsoft.com/office/powerpoint/2010/main" val="2552481288"/>
-      </p:ext>
-    </p:extLst>
-  </p:cSld>
-  <p:clrMapOvr>
-    <a:masterClrMapping/>
-  </p:clrMapOvr>
-  <p:timing>
-    <p:tnLst>
-      <p:par>
-        <p:cTn id="1" dur="indefinite" restart="never" nodeType="tmRoot"/>
-      </p:par>
-    </p:tnLst>
-  </p:timing>
-</p:sld>
-</file>
-
-<file path=ppt/slides/slide9.xml><?xml version="1.0" encoding="utf-8"?>
-<p:sld xmlns:a="http://schemas.openxmlformats.org/drawingml/2006/main" xmlns:r="http://schemas.openxmlformats.org/officeDocument/2006/relationships" xmlns:p="http://schemas.openxmlformats.org/presentationml/2006/main">
-  <p:cSld>
-    <p:spTree>
-      <p:nvGrpSpPr>
-        <p:cNvPr id="1" name=""/>
-        <p:cNvGrpSpPr/>
-        <p:nvPr/>
-      </p:nvGrpSpPr>
-      <p:grpSpPr>
-        <a:xfrm>
-          <a:off x="0" y="0"/>
-          <a:ext cx="0" cy="0"/>
-          <a:chOff x="0" y="0"/>
-          <a:chExt cx="0" cy="0"/>
-        </a:xfrm>
-      </p:grpSpPr>
-      <p:sp>
-        <p:nvSpPr>
-          <p:cNvPr id="2" name="Rubrik 1"/>
-          <p:cNvSpPr>
-            <a:spLocks noGrp="1"/>
-          </p:cNvSpPr>
-          <p:nvPr>
-            <p:ph type="title"/>
-          </p:nvPr>
-        </p:nvSpPr>
-        <p:spPr/>
-        <p:txBody>
-          <a:bodyPr/>
-          <a:lstStyle/>
-          <a:p>
-            <a:r>
-              <a:rPr lang="sv-SE" dirty="0" smtClean="0"/>
-              <a:t>OSM vs Google </a:t>
-            </a:r>
-            <a:r>
-              <a:rPr lang="sv-SE" dirty="0" err="1" smtClean="0"/>
-              <a:t>maps</a:t>
-            </a:r>
-            <a:endParaRPr lang="sv-SE" dirty="0"/>
-          </a:p>
-        </p:txBody>
-      </p:sp>
-      <p:sp>
-        <p:nvSpPr>
-          <p:cNvPr id="3" name="Platshållare för innehåll 2"/>
-          <p:cNvSpPr>
-            <a:spLocks noGrp="1"/>
-          </p:cNvSpPr>
-          <p:nvPr>
-            <p:ph idx="1"/>
-          </p:nvPr>
-        </p:nvSpPr>
-        <p:spPr/>
-        <p:txBody>
-          <a:bodyPr/>
-          <a:lstStyle/>
-          <a:p>
-            <a:endParaRPr lang="sv-SE"/>
-          </a:p>
-        </p:txBody>
-      </p:sp>
-      <p:pic>
-        <p:nvPicPr>
-          <p:cNvPr id="4" name="Bildobjekt 3"/>
-          <p:cNvPicPr>
-            <a:picLocks noChangeAspect="1"/>
-          </p:cNvPicPr>
-          <p:nvPr/>
-        </p:nvPicPr>
-        <p:blipFill>
-          <a:blip r:embed="rId3"/>
-          <a:stretch>
-            <a:fillRect/>
-          </a:stretch>
-        </p:blipFill>
-        <p:spPr>
-          <a:xfrm>
-            <a:off x="6386800" y="1290925"/>
-            <a:ext cx="5229200" cy="4880587"/>
-          </a:xfrm>
-          <a:prstGeom prst="rect">
-            <a:avLst/>
-          </a:prstGeom>
-        </p:spPr>
-      </p:pic>
-      <p:pic>
-        <p:nvPicPr>
-          <p:cNvPr id="5" name="Bildobjekt 4"/>
-          <p:cNvPicPr>
-            <a:picLocks noChangeAspect="1"/>
-          </p:cNvPicPr>
-          <p:nvPr/>
-        </p:nvPicPr>
-        <p:blipFill>
-          <a:blip r:embed="rId4"/>
-          <a:stretch>
-            <a:fillRect/>
-          </a:stretch>
-        </p:blipFill>
-        <p:spPr>
-          <a:xfrm>
-            <a:off x="1586744" y="1312743"/>
-            <a:ext cx="4044973" cy="4708546"/>
-          </a:xfrm>
-          <a:prstGeom prst="rect">
-            <a:avLst/>
-          </a:prstGeom>
-        </p:spPr>
-      </p:pic>
-    </p:spTree>
-    <p:extLst>
-      <p:ext uri="{BB962C8B-B14F-4D97-AF65-F5344CB8AC3E}">
-        <p14:creationId xmlns:p14="http://schemas.microsoft.com/office/powerpoint/2010/main" val="765953523"/>
       </p:ext>
     </p:extLst>
   </p:cSld>
